--- a/study-note/자바/2022-07-22 내용정리.pptx
+++ b/study-note/자바/2022-07-22 내용정리.pptx
@@ -5,12 +5,18 @@
     <p:sldMasterId id="2147483648" r:id="rId1"/>
   </p:sldMasterIdLst>
   <p:notesMasterIdLst>
-    <p:notesMasterId r:id="rId5"/>
+    <p:notesMasterId r:id="rId11"/>
   </p:notesMasterIdLst>
   <p:sldIdLst>
     <p:sldId id="256" r:id="rId2"/>
     <p:sldId id="257" r:id="rId3"/>
     <p:sldId id="258" r:id="rId4"/>
+    <p:sldId id="259" r:id="rId5"/>
+    <p:sldId id="260" r:id="rId6"/>
+    <p:sldId id="261" r:id="rId7"/>
+    <p:sldId id="262" r:id="rId8"/>
+    <p:sldId id="263" r:id="rId9"/>
+    <p:sldId id="264" r:id="rId10"/>
   </p:sldIdLst>
   <p:sldSz cx="12192000" cy="6858000"/>
   <p:notesSz cx="6858000" cy="9144000"/>
@@ -5068,6 +5074,4567 @@
     <p:extLst>
       <p:ext uri="{BB962C8B-B14F-4D97-AF65-F5344CB8AC3E}">
         <p14:creationId xmlns:p14="http://schemas.microsoft.com/office/powerpoint/2010/main" val="1311696000"/>
+      </p:ext>
+    </p:extLst>
+  </p:cSld>
+  <p:clrMapOvr>
+    <a:masterClrMapping/>
+  </p:clrMapOvr>
+</p:sld>
+</file>
+
+<file path=ppt/slides/slide4.xml><?xml version="1.0" encoding="utf-8"?>
+<p:sld xmlns:a="http://schemas.openxmlformats.org/drawingml/2006/main" xmlns:r="http://schemas.openxmlformats.org/officeDocument/2006/relationships" xmlns:p="http://schemas.openxmlformats.org/presentationml/2006/main">
+  <p:cSld>
+    <p:spTree>
+      <p:nvGrpSpPr>
+        <p:cNvPr id="1" name=""/>
+        <p:cNvGrpSpPr/>
+        <p:nvPr/>
+      </p:nvGrpSpPr>
+      <p:grpSpPr>
+        <a:xfrm>
+          <a:off x="0" y="0"/>
+          <a:ext cx="0" cy="0"/>
+          <a:chOff x="0" y="0"/>
+          <a:chExt cx="0" cy="0"/>
+        </a:xfrm>
+      </p:grpSpPr>
+      <p:sp>
+        <p:nvSpPr>
+          <p:cNvPr id="2" name="직사각형 1">
+            <a:extLst>
+              <a:ext uri="{FF2B5EF4-FFF2-40B4-BE49-F238E27FC236}">
+                <a16:creationId xmlns:a16="http://schemas.microsoft.com/office/drawing/2014/main" id="{E95A70CC-19A4-000D-598E-D05AB9F97EA1}"/>
+              </a:ext>
+            </a:extLst>
+          </p:cNvPr>
+          <p:cNvSpPr/>
+          <p:nvPr/>
+        </p:nvSpPr>
+        <p:spPr>
+          <a:xfrm>
+            <a:off x="941033" y="177554"/>
+            <a:ext cx="1216241" cy="266330"/>
+          </a:xfrm>
+          <a:prstGeom prst="rect">
+            <a:avLst/>
+          </a:prstGeom>
+        </p:spPr>
+        <p:style>
+          <a:lnRef idx="2">
+            <a:schemeClr val="accent1">
+              <a:shade val="50000"/>
+            </a:schemeClr>
+          </a:lnRef>
+          <a:fillRef idx="1">
+            <a:schemeClr val="accent1"/>
+          </a:fillRef>
+          <a:effectRef idx="0">
+            <a:schemeClr val="accent1"/>
+          </a:effectRef>
+          <a:fontRef idx="minor">
+            <a:schemeClr val="lt1"/>
+          </a:fontRef>
+        </p:style>
+        <p:txBody>
+          <a:bodyPr rtlCol="0" anchor="ctr"/>
+          <a:lstStyle/>
+          <a:p>
+            <a:pPr algn="ctr"/>
+            <a:r>
+              <a:rPr lang="en-US" altLang="ko-KR" dirty="0"/>
+              <a:t>com</a:t>
+            </a:r>
+            <a:endParaRPr lang="ko-KR" altLang="en-US" dirty="0"/>
+          </a:p>
+        </p:txBody>
+      </p:sp>
+      <p:sp>
+        <p:nvSpPr>
+          <p:cNvPr id="23" name="직사각형 22">
+            <a:extLst>
+              <a:ext uri="{FF2B5EF4-FFF2-40B4-BE49-F238E27FC236}">
+                <a16:creationId xmlns:a16="http://schemas.microsoft.com/office/drawing/2014/main" id="{BADCD767-789C-5BD5-5467-D9D2F141E538}"/>
+              </a:ext>
+            </a:extLst>
+          </p:cNvPr>
+          <p:cNvSpPr/>
+          <p:nvPr/>
+        </p:nvSpPr>
+        <p:spPr>
+          <a:xfrm>
+            <a:off x="2508680" y="177554"/>
+            <a:ext cx="1216241" cy="266330"/>
+          </a:xfrm>
+          <a:prstGeom prst="rect">
+            <a:avLst/>
+          </a:prstGeom>
+        </p:spPr>
+        <p:style>
+          <a:lnRef idx="2">
+            <a:schemeClr val="accent1">
+              <a:shade val="50000"/>
+            </a:schemeClr>
+          </a:lnRef>
+          <a:fillRef idx="1">
+            <a:schemeClr val="accent1"/>
+          </a:fillRef>
+          <a:effectRef idx="0">
+            <a:schemeClr val="accent1"/>
+          </a:effectRef>
+          <a:fontRef idx="minor">
+            <a:schemeClr val="lt1"/>
+          </a:fontRef>
+        </p:style>
+        <p:txBody>
+          <a:bodyPr rtlCol="0" anchor="ctr"/>
+          <a:lstStyle/>
+          <a:p>
+            <a:pPr algn="ctr"/>
+            <a:r>
+              <a:rPr lang="en-US" altLang="ko-KR" dirty="0"/>
+              <a:t>board</a:t>
+            </a:r>
+            <a:endParaRPr lang="ko-KR" altLang="en-US" dirty="0"/>
+          </a:p>
+        </p:txBody>
+      </p:sp>
+      <p:sp>
+        <p:nvSpPr>
+          <p:cNvPr id="24" name="직사각형 23">
+            <a:extLst>
+              <a:ext uri="{FF2B5EF4-FFF2-40B4-BE49-F238E27FC236}">
+                <a16:creationId xmlns:a16="http://schemas.microsoft.com/office/drawing/2014/main" id="{5FC3707E-F9C1-4A2D-0006-B9F5A214C3E9}"/>
+              </a:ext>
+            </a:extLst>
+          </p:cNvPr>
+          <p:cNvSpPr/>
+          <p:nvPr/>
+        </p:nvSpPr>
+        <p:spPr>
+          <a:xfrm>
+            <a:off x="2508680" y="5041033"/>
+            <a:ext cx="1216241" cy="266330"/>
+          </a:xfrm>
+          <a:prstGeom prst="rect">
+            <a:avLst/>
+          </a:prstGeom>
+        </p:spPr>
+        <p:style>
+          <a:lnRef idx="2">
+            <a:schemeClr val="accent1">
+              <a:shade val="50000"/>
+            </a:schemeClr>
+          </a:lnRef>
+          <a:fillRef idx="1">
+            <a:schemeClr val="accent1"/>
+          </a:fillRef>
+          <a:effectRef idx="0">
+            <a:schemeClr val="accent1"/>
+          </a:effectRef>
+          <a:fontRef idx="minor">
+            <a:schemeClr val="lt1"/>
+          </a:fontRef>
+        </p:style>
+        <p:txBody>
+          <a:bodyPr rtlCol="0" anchor="ctr"/>
+          <a:lstStyle/>
+          <a:p>
+            <a:pPr algn="ctr"/>
+            <a:r>
+              <a:rPr lang="en-US" altLang="ko-KR" dirty="0"/>
+              <a:t>util</a:t>
+            </a:r>
+            <a:endParaRPr lang="ko-KR" altLang="en-US" dirty="0"/>
+          </a:p>
+        </p:txBody>
+      </p:sp>
+      <p:sp>
+        <p:nvSpPr>
+          <p:cNvPr id="25" name="직사각형 24">
+            <a:extLst>
+              <a:ext uri="{FF2B5EF4-FFF2-40B4-BE49-F238E27FC236}">
+                <a16:creationId xmlns:a16="http://schemas.microsoft.com/office/drawing/2014/main" id="{0BD9CE70-AB66-3057-6067-DE383AA202D7}"/>
+              </a:ext>
+            </a:extLst>
+          </p:cNvPr>
+          <p:cNvSpPr/>
+          <p:nvPr/>
+        </p:nvSpPr>
+        <p:spPr>
+          <a:xfrm>
+            <a:off x="4651900" y="177554"/>
+            <a:ext cx="1216241" cy="266330"/>
+          </a:xfrm>
+          <a:prstGeom prst="rect">
+            <a:avLst/>
+          </a:prstGeom>
+        </p:spPr>
+        <p:style>
+          <a:lnRef idx="2">
+            <a:schemeClr val="accent1">
+              <a:shade val="50000"/>
+            </a:schemeClr>
+          </a:lnRef>
+          <a:fillRef idx="1">
+            <a:schemeClr val="accent1"/>
+          </a:fillRef>
+          <a:effectRef idx="0">
+            <a:schemeClr val="accent1"/>
+          </a:effectRef>
+          <a:fontRef idx="minor">
+            <a:schemeClr val="lt1"/>
+          </a:fontRef>
+        </p:style>
+        <p:txBody>
+          <a:bodyPr rtlCol="0" anchor="ctr"/>
+          <a:lstStyle/>
+          <a:p>
+            <a:pPr algn="ctr"/>
+            <a:r>
+              <a:rPr lang="en-US" altLang="ko-KR" dirty="0"/>
+              <a:t>domain</a:t>
+            </a:r>
+            <a:endParaRPr lang="ko-KR" altLang="en-US" dirty="0"/>
+          </a:p>
+        </p:txBody>
+      </p:sp>
+      <p:sp>
+        <p:nvSpPr>
+          <p:cNvPr id="26" name="직사각형 25">
+            <a:extLst>
+              <a:ext uri="{FF2B5EF4-FFF2-40B4-BE49-F238E27FC236}">
+                <a16:creationId xmlns:a16="http://schemas.microsoft.com/office/drawing/2014/main" id="{BC0D9EE5-9483-0896-2226-524AB9ABB286}"/>
+              </a:ext>
+            </a:extLst>
+          </p:cNvPr>
+          <p:cNvSpPr/>
+          <p:nvPr/>
+        </p:nvSpPr>
+        <p:spPr>
+          <a:xfrm>
+            <a:off x="4651900" y="1426715"/>
+            <a:ext cx="1216241" cy="266330"/>
+          </a:xfrm>
+          <a:prstGeom prst="rect">
+            <a:avLst/>
+          </a:prstGeom>
+        </p:spPr>
+        <p:style>
+          <a:lnRef idx="2">
+            <a:schemeClr val="accent1">
+              <a:shade val="50000"/>
+            </a:schemeClr>
+          </a:lnRef>
+          <a:fillRef idx="1">
+            <a:schemeClr val="accent1"/>
+          </a:fillRef>
+          <a:effectRef idx="0">
+            <a:schemeClr val="accent1"/>
+          </a:effectRef>
+          <a:fontRef idx="minor">
+            <a:schemeClr val="lt1"/>
+          </a:fontRef>
+        </p:style>
+        <p:txBody>
+          <a:bodyPr rtlCol="0" anchor="ctr"/>
+          <a:lstStyle/>
+          <a:p>
+            <a:pPr algn="ctr"/>
+            <a:r>
+              <a:rPr lang="en-US" altLang="ko-KR" dirty="0"/>
+              <a:t>duo</a:t>
+            </a:r>
+            <a:endParaRPr lang="ko-KR" altLang="en-US" dirty="0"/>
+          </a:p>
+        </p:txBody>
+      </p:sp>
+      <p:sp>
+        <p:nvSpPr>
+          <p:cNvPr id="28" name="직사각형 27">
+            <a:extLst>
+              <a:ext uri="{FF2B5EF4-FFF2-40B4-BE49-F238E27FC236}">
+                <a16:creationId xmlns:a16="http://schemas.microsoft.com/office/drawing/2014/main" id="{3FB77C99-B29B-487E-B7A6-4F9044342CF1}"/>
+              </a:ext>
+            </a:extLst>
+          </p:cNvPr>
+          <p:cNvSpPr/>
+          <p:nvPr/>
+        </p:nvSpPr>
+        <p:spPr>
+          <a:xfrm>
+            <a:off x="4651900" y="2675876"/>
+            <a:ext cx="1216241" cy="266330"/>
+          </a:xfrm>
+          <a:prstGeom prst="rect">
+            <a:avLst/>
+          </a:prstGeom>
+        </p:spPr>
+        <p:style>
+          <a:lnRef idx="2">
+            <a:schemeClr val="accent1">
+              <a:shade val="50000"/>
+            </a:schemeClr>
+          </a:lnRef>
+          <a:fillRef idx="1">
+            <a:schemeClr val="accent1"/>
+          </a:fillRef>
+          <a:effectRef idx="0">
+            <a:schemeClr val="accent1"/>
+          </a:effectRef>
+          <a:fontRef idx="minor">
+            <a:schemeClr val="lt1"/>
+          </a:fontRef>
+        </p:style>
+        <p:txBody>
+          <a:bodyPr rtlCol="0" anchor="ctr"/>
+          <a:lstStyle/>
+          <a:p>
+            <a:pPr algn="ctr"/>
+            <a:r>
+              <a:rPr lang="en-US" altLang="ko-KR" dirty="0"/>
+              <a:t>handler</a:t>
+            </a:r>
+            <a:endParaRPr lang="ko-KR" altLang="en-US" dirty="0"/>
+          </a:p>
+        </p:txBody>
+      </p:sp>
+      <p:sp>
+        <p:nvSpPr>
+          <p:cNvPr id="29" name="직사각형 28">
+            <a:extLst>
+              <a:ext uri="{FF2B5EF4-FFF2-40B4-BE49-F238E27FC236}">
+                <a16:creationId xmlns:a16="http://schemas.microsoft.com/office/drawing/2014/main" id="{6AFE0B1C-B412-EE32-5881-F0215B965D65}"/>
+              </a:ext>
+            </a:extLst>
+          </p:cNvPr>
+          <p:cNvSpPr/>
+          <p:nvPr/>
+        </p:nvSpPr>
+        <p:spPr>
+          <a:xfrm>
+            <a:off x="4651900" y="3925037"/>
+            <a:ext cx="1216241" cy="266330"/>
+          </a:xfrm>
+          <a:prstGeom prst="rect">
+            <a:avLst/>
+          </a:prstGeom>
+        </p:spPr>
+        <p:style>
+          <a:lnRef idx="2">
+            <a:schemeClr val="accent5">
+              <a:shade val="50000"/>
+            </a:schemeClr>
+          </a:lnRef>
+          <a:fillRef idx="1">
+            <a:schemeClr val="accent5"/>
+          </a:fillRef>
+          <a:effectRef idx="0">
+            <a:schemeClr val="accent5"/>
+          </a:effectRef>
+          <a:fontRef idx="minor">
+            <a:schemeClr val="lt1"/>
+          </a:fontRef>
+        </p:style>
+        <p:txBody>
+          <a:bodyPr rtlCol="0" anchor="ctr"/>
+          <a:lstStyle/>
+          <a:p>
+            <a:pPr algn="ctr"/>
+            <a:r>
+              <a:rPr lang="en-US" altLang="ko-KR" dirty="0"/>
+              <a:t>App</a:t>
+            </a:r>
+            <a:endParaRPr lang="ko-KR" altLang="en-US" dirty="0"/>
+          </a:p>
+        </p:txBody>
+      </p:sp>
+      <p:sp>
+        <p:nvSpPr>
+          <p:cNvPr id="30" name="직사각형 29">
+            <a:extLst>
+              <a:ext uri="{FF2B5EF4-FFF2-40B4-BE49-F238E27FC236}">
+                <a16:creationId xmlns:a16="http://schemas.microsoft.com/office/drawing/2014/main" id="{7AF2A68F-F7DE-29B7-17F0-0733C9D962D5}"/>
+              </a:ext>
+            </a:extLst>
+          </p:cNvPr>
+          <p:cNvSpPr/>
+          <p:nvPr/>
+        </p:nvSpPr>
+        <p:spPr>
+          <a:xfrm>
+            <a:off x="6983766" y="186432"/>
+            <a:ext cx="1216241" cy="266330"/>
+          </a:xfrm>
+          <a:prstGeom prst="rect">
+            <a:avLst/>
+          </a:prstGeom>
+        </p:spPr>
+        <p:style>
+          <a:lnRef idx="2">
+            <a:schemeClr val="accent5">
+              <a:shade val="50000"/>
+            </a:schemeClr>
+          </a:lnRef>
+          <a:fillRef idx="1">
+            <a:schemeClr val="accent5"/>
+          </a:fillRef>
+          <a:effectRef idx="0">
+            <a:schemeClr val="accent5"/>
+          </a:effectRef>
+          <a:fontRef idx="minor">
+            <a:schemeClr val="lt1"/>
+          </a:fontRef>
+        </p:style>
+        <p:txBody>
+          <a:bodyPr rtlCol="0" anchor="ctr"/>
+          <a:lstStyle/>
+          <a:p>
+            <a:pPr algn="ctr"/>
+            <a:r>
+              <a:rPr lang="en-US" altLang="ko-KR" dirty="0"/>
+              <a:t>Board</a:t>
+            </a:r>
+            <a:endParaRPr lang="ko-KR" altLang="en-US" dirty="0"/>
+          </a:p>
+        </p:txBody>
+      </p:sp>
+      <p:sp>
+        <p:nvSpPr>
+          <p:cNvPr id="32" name="직사각형 31">
+            <a:extLst>
+              <a:ext uri="{FF2B5EF4-FFF2-40B4-BE49-F238E27FC236}">
+                <a16:creationId xmlns:a16="http://schemas.microsoft.com/office/drawing/2014/main" id="{6CCBE619-470B-1697-4ACC-A75731E15825}"/>
+              </a:ext>
+            </a:extLst>
+          </p:cNvPr>
+          <p:cNvSpPr/>
+          <p:nvPr/>
+        </p:nvSpPr>
+        <p:spPr>
+          <a:xfrm>
+            <a:off x="6983765" y="668045"/>
+            <a:ext cx="1216241" cy="266330"/>
+          </a:xfrm>
+          <a:prstGeom prst="rect">
+            <a:avLst/>
+          </a:prstGeom>
+        </p:spPr>
+        <p:style>
+          <a:lnRef idx="2">
+            <a:schemeClr val="accent5">
+              <a:shade val="50000"/>
+            </a:schemeClr>
+          </a:lnRef>
+          <a:fillRef idx="1">
+            <a:schemeClr val="accent5"/>
+          </a:fillRef>
+          <a:effectRef idx="0">
+            <a:schemeClr val="accent5"/>
+          </a:effectRef>
+          <a:fontRef idx="minor">
+            <a:schemeClr val="lt1"/>
+          </a:fontRef>
+        </p:style>
+        <p:txBody>
+          <a:bodyPr rtlCol="0" anchor="ctr"/>
+          <a:lstStyle/>
+          <a:p>
+            <a:pPr algn="ctr"/>
+            <a:r>
+              <a:rPr lang="en-US" altLang="ko-KR" dirty="0"/>
+              <a:t>Member</a:t>
+            </a:r>
+            <a:endParaRPr lang="ko-KR" altLang="en-US" dirty="0"/>
+          </a:p>
+        </p:txBody>
+      </p:sp>
+      <p:sp>
+        <p:nvSpPr>
+          <p:cNvPr id="33" name="직사각형 32">
+            <a:extLst>
+              <a:ext uri="{FF2B5EF4-FFF2-40B4-BE49-F238E27FC236}">
+                <a16:creationId xmlns:a16="http://schemas.microsoft.com/office/drawing/2014/main" id="{41328566-3FA9-164F-4677-FFC6508B74B4}"/>
+              </a:ext>
+            </a:extLst>
+          </p:cNvPr>
+          <p:cNvSpPr/>
+          <p:nvPr/>
+        </p:nvSpPr>
+        <p:spPr>
+          <a:xfrm>
+            <a:off x="6983764" y="1386768"/>
+            <a:ext cx="1216241" cy="266330"/>
+          </a:xfrm>
+          <a:prstGeom prst="rect">
+            <a:avLst/>
+          </a:prstGeom>
+        </p:spPr>
+        <p:style>
+          <a:lnRef idx="2">
+            <a:schemeClr val="accent5">
+              <a:shade val="50000"/>
+            </a:schemeClr>
+          </a:lnRef>
+          <a:fillRef idx="1">
+            <a:schemeClr val="accent5"/>
+          </a:fillRef>
+          <a:effectRef idx="0">
+            <a:schemeClr val="accent5"/>
+          </a:effectRef>
+          <a:fontRef idx="minor">
+            <a:schemeClr val="lt1"/>
+          </a:fontRef>
+        </p:style>
+        <p:txBody>
+          <a:bodyPr rtlCol="0" anchor="ctr"/>
+          <a:lstStyle/>
+          <a:p>
+            <a:pPr algn="ctr"/>
+            <a:r>
+              <a:rPr lang="en-US" altLang="ko-KR" dirty="0" err="1"/>
+              <a:t>BoardList</a:t>
+            </a:r>
+            <a:endParaRPr lang="ko-KR" altLang="en-US" dirty="0"/>
+          </a:p>
+        </p:txBody>
+      </p:sp>
+      <p:sp>
+        <p:nvSpPr>
+          <p:cNvPr id="34" name="직사각형 33">
+            <a:extLst>
+              <a:ext uri="{FF2B5EF4-FFF2-40B4-BE49-F238E27FC236}">
+                <a16:creationId xmlns:a16="http://schemas.microsoft.com/office/drawing/2014/main" id="{A1EE9114-750E-A274-4A4C-E0162D6234A0}"/>
+              </a:ext>
+            </a:extLst>
+          </p:cNvPr>
+          <p:cNvSpPr/>
+          <p:nvPr/>
+        </p:nvSpPr>
+        <p:spPr>
+          <a:xfrm>
+            <a:off x="6983764" y="1863386"/>
+            <a:ext cx="1942731" cy="266330"/>
+          </a:xfrm>
+          <a:prstGeom prst="rect">
+            <a:avLst/>
+          </a:prstGeom>
+        </p:spPr>
+        <p:style>
+          <a:lnRef idx="2">
+            <a:schemeClr val="accent5">
+              <a:shade val="50000"/>
+            </a:schemeClr>
+          </a:lnRef>
+          <a:fillRef idx="1">
+            <a:schemeClr val="accent5"/>
+          </a:fillRef>
+          <a:effectRef idx="0">
+            <a:schemeClr val="accent5"/>
+          </a:effectRef>
+          <a:fontRef idx="minor">
+            <a:schemeClr val="lt1"/>
+          </a:fontRef>
+        </p:style>
+        <p:txBody>
+          <a:bodyPr rtlCol="0" anchor="ctr"/>
+          <a:lstStyle/>
+          <a:p>
+            <a:pPr algn="ctr"/>
+            <a:r>
+              <a:rPr lang="en-US" altLang="ko-KR" dirty="0" err="1"/>
+              <a:t>MemberList</a:t>
+            </a:r>
+            <a:endParaRPr lang="ko-KR" altLang="en-US" dirty="0"/>
+          </a:p>
+        </p:txBody>
+      </p:sp>
+      <p:sp>
+        <p:nvSpPr>
+          <p:cNvPr id="35" name="직사각형 34">
+            <a:extLst>
+              <a:ext uri="{FF2B5EF4-FFF2-40B4-BE49-F238E27FC236}">
+                <a16:creationId xmlns:a16="http://schemas.microsoft.com/office/drawing/2014/main" id="{6BB0D3FE-57BD-EC32-37B6-640762FD8C3A}"/>
+              </a:ext>
+            </a:extLst>
+          </p:cNvPr>
+          <p:cNvSpPr/>
+          <p:nvPr/>
+        </p:nvSpPr>
+        <p:spPr>
+          <a:xfrm>
+            <a:off x="4651900" y="5041033"/>
+            <a:ext cx="1216241" cy="266330"/>
+          </a:xfrm>
+          <a:prstGeom prst="rect">
+            <a:avLst/>
+          </a:prstGeom>
+        </p:spPr>
+        <p:style>
+          <a:lnRef idx="2">
+            <a:schemeClr val="accent5">
+              <a:shade val="50000"/>
+            </a:schemeClr>
+          </a:lnRef>
+          <a:fillRef idx="1">
+            <a:schemeClr val="accent5"/>
+          </a:fillRef>
+          <a:effectRef idx="0">
+            <a:schemeClr val="accent5"/>
+          </a:effectRef>
+          <a:fontRef idx="minor">
+            <a:schemeClr val="lt1"/>
+          </a:fontRef>
+        </p:style>
+        <p:txBody>
+          <a:bodyPr rtlCol="0" anchor="ctr"/>
+          <a:lstStyle/>
+          <a:p>
+            <a:pPr algn="ctr"/>
+            <a:r>
+              <a:rPr lang="en-US" altLang="ko-KR" dirty="0"/>
+              <a:t>Prompt</a:t>
+            </a:r>
+            <a:endParaRPr lang="ko-KR" altLang="en-US" dirty="0"/>
+          </a:p>
+        </p:txBody>
+      </p:sp>
+      <p:sp>
+        <p:nvSpPr>
+          <p:cNvPr id="41" name="직사각형 40">
+            <a:extLst>
+              <a:ext uri="{FF2B5EF4-FFF2-40B4-BE49-F238E27FC236}">
+                <a16:creationId xmlns:a16="http://schemas.microsoft.com/office/drawing/2014/main" id="{BF7D62C3-3EC4-4205-B00A-617ACB478584}"/>
+              </a:ext>
+            </a:extLst>
+          </p:cNvPr>
+          <p:cNvSpPr/>
+          <p:nvPr/>
+        </p:nvSpPr>
+        <p:spPr>
+          <a:xfrm>
+            <a:off x="6983764" y="2675876"/>
+            <a:ext cx="1942731" cy="266330"/>
+          </a:xfrm>
+          <a:prstGeom prst="rect">
+            <a:avLst/>
+          </a:prstGeom>
+        </p:spPr>
+        <p:style>
+          <a:lnRef idx="2">
+            <a:schemeClr val="accent5">
+              <a:shade val="50000"/>
+            </a:schemeClr>
+          </a:lnRef>
+          <a:fillRef idx="1">
+            <a:schemeClr val="accent5"/>
+          </a:fillRef>
+          <a:effectRef idx="0">
+            <a:schemeClr val="accent5"/>
+          </a:effectRef>
+          <a:fontRef idx="minor">
+            <a:schemeClr val="lt1"/>
+          </a:fontRef>
+        </p:style>
+        <p:txBody>
+          <a:bodyPr rtlCol="0" anchor="ctr"/>
+          <a:lstStyle/>
+          <a:p>
+            <a:pPr algn="ctr"/>
+            <a:r>
+              <a:rPr lang="en-US" altLang="ko-KR" dirty="0" err="1"/>
+              <a:t>BoardHandler</a:t>
+            </a:r>
+            <a:endParaRPr lang="ko-KR" altLang="en-US" dirty="0"/>
+          </a:p>
+        </p:txBody>
+      </p:sp>
+      <p:sp>
+        <p:nvSpPr>
+          <p:cNvPr id="42" name="직사각형 41">
+            <a:extLst>
+              <a:ext uri="{FF2B5EF4-FFF2-40B4-BE49-F238E27FC236}">
+                <a16:creationId xmlns:a16="http://schemas.microsoft.com/office/drawing/2014/main" id="{114BA4DE-EB14-9625-FE73-CAA46E34D7A9}"/>
+              </a:ext>
+            </a:extLst>
+          </p:cNvPr>
+          <p:cNvSpPr/>
+          <p:nvPr/>
+        </p:nvSpPr>
+        <p:spPr>
+          <a:xfrm>
+            <a:off x="6983764" y="3295835"/>
+            <a:ext cx="1942731" cy="266330"/>
+          </a:xfrm>
+          <a:prstGeom prst="rect">
+            <a:avLst/>
+          </a:prstGeom>
+        </p:spPr>
+        <p:style>
+          <a:lnRef idx="2">
+            <a:schemeClr val="accent5">
+              <a:shade val="50000"/>
+            </a:schemeClr>
+          </a:lnRef>
+          <a:fillRef idx="1">
+            <a:schemeClr val="accent5"/>
+          </a:fillRef>
+          <a:effectRef idx="0">
+            <a:schemeClr val="accent5"/>
+          </a:effectRef>
+          <a:fontRef idx="minor">
+            <a:schemeClr val="lt1"/>
+          </a:fontRef>
+        </p:style>
+        <p:txBody>
+          <a:bodyPr rtlCol="0" anchor="ctr"/>
+          <a:lstStyle/>
+          <a:p>
+            <a:pPr algn="ctr"/>
+            <a:r>
+              <a:rPr lang="en-US" altLang="ko-KR" dirty="0" err="1"/>
+              <a:t>MemberHandler</a:t>
+            </a:r>
+            <a:endParaRPr lang="ko-KR" altLang="en-US" dirty="0"/>
+          </a:p>
+        </p:txBody>
+      </p:sp>
+      <p:cxnSp>
+        <p:nvCxnSpPr>
+          <p:cNvPr id="8" name="직선 화살표 연결선 7">
+            <a:extLst>
+              <a:ext uri="{FF2B5EF4-FFF2-40B4-BE49-F238E27FC236}">
+                <a16:creationId xmlns:a16="http://schemas.microsoft.com/office/drawing/2014/main" id="{2BAB2EB3-45BE-5236-6005-F4C39D8752B7}"/>
+              </a:ext>
+            </a:extLst>
+          </p:cNvPr>
+          <p:cNvCxnSpPr>
+            <a:stCxn id="2" idx="3"/>
+            <a:endCxn id="23" idx="1"/>
+          </p:cNvCxnSpPr>
+          <p:nvPr/>
+        </p:nvCxnSpPr>
+        <p:spPr>
+          <a:xfrm>
+            <a:off x="2157274" y="310719"/>
+            <a:ext cx="351406" cy="0"/>
+          </a:xfrm>
+          <a:prstGeom prst="straightConnector1">
+            <a:avLst/>
+          </a:prstGeom>
+          <a:ln>
+            <a:tailEnd type="triangle"/>
+          </a:ln>
+        </p:spPr>
+        <p:style>
+          <a:lnRef idx="3">
+            <a:schemeClr val="accent4"/>
+          </a:lnRef>
+          <a:fillRef idx="0">
+            <a:schemeClr val="accent4"/>
+          </a:fillRef>
+          <a:effectRef idx="2">
+            <a:schemeClr val="accent4"/>
+          </a:effectRef>
+          <a:fontRef idx="minor">
+            <a:schemeClr val="tx1"/>
+          </a:fontRef>
+        </p:style>
+      </p:cxnSp>
+      <p:cxnSp>
+        <p:nvCxnSpPr>
+          <p:cNvPr id="43" name="직선 화살표 연결선 42">
+            <a:extLst>
+              <a:ext uri="{FF2B5EF4-FFF2-40B4-BE49-F238E27FC236}">
+                <a16:creationId xmlns:a16="http://schemas.microsoft.com/office/drawing/2014/main" id="{0A0036DC-8B75-8E4E-06B8-8D462BBC3AF5}"/>
+              </a:ext>
+            </a:extLst>
+          </p:cNvPr>
+          <p:cNvCxnSpPr>
+            <a:cxnSpLocks/>
+            <a:stCxn id="2" idx="3"/>
+            <a:endCxn id="24" idx="1"/>
+          </p:cNvCxnSpPr>
+          <p:nvPr/>
+        </p:nvCxnSpPr>
+        <p:spPr>
+          <a:xfrm>
+            <a:off x="2157274" y="310719"/>
+            <a:ext cx="351406" cy="4863479"/>
+          </a:xfrm>
+          <a:prstGeom prst="straightConnector1">
+            <a:avLst/>
+          </a:prstGeom>
+          <a:ln>
+            <a:tailEnd type="triangle"/>
+          </a:ln>
+        </p:spPr>
+        <p:style>
+          <a:lnRef idx="3">
+            <a:schemeClr val="accent4"/>
+          </a:lnRef>
+          <a:fillRef idx="0">
+            <a:schemeClr val="accent4"/>
+          </a:fillRef>
+          <a:effectRef idx="2">
+            <a:schemeClr val="accent4"/>
+          </a:effectRef>
+          <a:fontRef idx="minor">
+            <a:schemeClr val="tx1"/>
+          </a:fontRef>
+        </p:style>
+      </p:cxnSp>
+      <p:cxnSp>
+        <p:nvCxnSpPr>
+          <p:cNvPr id="46" name="직선 화살표 연결선 45">
+            <a:extLst>
+              <a:ext uri="{FF2B5EF4-FFF2-40B4-BE49-F238E27FC236}">
+                <a16:creationId xmlns:a16="http://schemas.microsoft.com/office/drawing/2014/main" id="{CDB3981D-189A-1F7A-22FE-3D873E5B70E4}"/>
+              </a:ext>
+            </a:extLst>
+          </p:cNvPr>
+          <p:cNvCxnSpPr>
+            <a:cxnSpLocks/>
+            <a:stCxn id="23" idx="3"/>
+            <a:endCxn id="25" idx="1"/>
+          </p:cNvCxnSpPr>
+          <p:nvPr/>
+        </p:nvCxnSpPr>
+        <p:spPr>
+          <a:xfrm>
+            <a:off x="3724921" y="310719"/>
+            <a:ext cx="926979" cy="0"/>
+          </a:xfrm>
+          <a:prstGeom prst="straightConnector1">
+            <a:avLst/>
+          </a:prstGeom>
+          <a:ln>
+            <a:tailEnd type="triangle"/>
+          </a:ln>
+        </p:spPr>
+        <p:style>
+          <a:lnRef idx="3">
+            <a:schemeClr val="accent4"/>
+          </a:lnRef>
+          <a:fillRef idx="0">
+            <a:schemeClr val="accent4"/>
+          </a:fillRef>
+          <a:effectRef idx="2">
+            <a:schemeClr val="accent4"/>
+          </a:effectRef>
+          <a:fontRef idx="minor">
+            <a:schemeClr val="tx1"/>
+          </a:fontRef>
+        </p:style>
+      </p:cxnSp>
+      <p:cxnSp>
+        <p:nvCxnSpPr>
+          <p:cNvPr id="47" name="직선 화살표 연결선 46">
+            <a:extLst>
+              <a:ext uri="{FF2B5EF4-FFF2-40B4-BE49-F238E27FC236}">
+                <a16:creationId xmlns:a16="http://schemas.microsoft.com/office/drawing/2014/main" id="{0E9EA9A5-A815-263B-768A-6D7EBBFA8D06}"/>
+              </a:ext>
+            </a:extLst>
+          </p:cNvPr>
+          <p:cNvCxnSpPr>
+            <a:cxnSpLocks/>
+            <a:stCxn id="23" idx="3"/>
+            <a:endCxn id="26" idx="1"/>
+          </p:cNvCxnSpPr>
+          <p:nvPr/>
+        </p:nvCxnSpPr>
+        <p:spPr>
+          <a:xfrm>
+            <a:off x="3724921" y="310719"/>
+            <a:ext cx="926979" cy="1249161"/>
+          </a:xfrm>
+          <a:prstGeom prst="straightConnector1">
+            <a:avLst/>
+          </a:prstGeom>
+          <a:ln>
+            <a:tailEnd type="triangle"/>
+          </a:ln>
+        </p:spPr>
+        <p:style>
+          <a:lnRef idx="3">
+            <a:schemeClr val="accent4"/>
+          </a:lnRef>
+          <a:fillRef idx="0">
+            <a:schemeClr val="accent4"/>
+          </a:fillRef>
+          <a:effectRef idx="2">
+            <a:schemeClr val="accent4"/>
+          </a:effectRef>
+          <a:fontRef idx="minor">
+            <a:schemeClr val="tx1"/>
+          </a:fontRef>
+        </p:style>
+      </p:cxnSp>
+      <p:cxnSp>
+        <p:nvCxnSpPr>
+          <p:cNvPr id="48" name="직선 화살표 연결선 47">
+            <a:extLst>
+              <a:ext uri="{FF2B5EF4-FFF2-40B4-BE49-F238E27FC236}">
+                <a16:creationId xmlns:a16="http://schemas.microsoft.com/office/drawing/2014/main" id="{757F3694-92BF-8059-2D2A-F591A5AEDAC4}"/>
+              </a:ext>
+            </a:extLst>
+          </p:cNvPr>
+          <p:cNvCxnSpPr>
+            <a:cxnSpLocks/>
+            <a:stCxn id="23" idx="3"/>
+            <a:endCxn id="28" idx="1"/>
+          </p:cNvCxnSpPr>
+          <p:nvPr/>
+        </p:nvCxnSpPr>
+        <p:spPr>
+          <a:xfrm>
+            <a:off x="3724921" y="310719"/>
+            <a:ext cx="926979" cy="2498322"/>
+          </a:xfrm>
+          <a:prstGeom prst="straightConnector1">
+            <a:avLst/>
+          </a:prstGeom>
+          <a:ln>
+            <a:tailEnd type="triangle"/>
+          </a:ln>
+        </p:spPr>
+        <p:style>
+          <a:lnRef idx="3">
+            <a:schemeClr val="accent4"/>
+          </a:lnRef>
+          <a:fillRef idx="0">
+            <a:schemeClr val="accent4"/>
+          </a:fillRef>
+          <a:effectRef idx="2">
+            <a:schemeClr val="accent4"/>
+          </a:effectRef>
+          <a:fontRef idx="minor">
+            <a:schemeClr val="tx1"/>
+          </a:fontRef>
+        </p:style>
+      </p:cxnSp>
+      <p:cxnSp>
+        <p:nvCxnSpPr>
+          <p:cNvPr id="51" name="직선 화살표 연결선 50">
+            <a:extLst>
+              <a:ext uri="{FF2B5EF4-FFF2-40B4-BE49-F238E27FC236}">
+                <a16:creationId xmlns:a16="http://schemas.microsoft.com/office/drawing/2014/main" id="{1D60C86A-BB42-C64C-7550-9C95ACAECA64}"/>
+              </a:ext>
+            </a:extLst>
+          </p:cNvPr>
+          <p:cNvCxnSpPr>
+            <a:cxnSpLocks/>
+            <a:stCxn id="23" idx="3"/>
+            <a:endCxn id="29" idx="1"/>
+          </p:cNvCxnSpPr>
+          <p:nvPr/>
+        </p:nvCxnSpPr>
+        <p:spPr>
+          <a:xfrm>
+            <a:off x="3724921" y="310719"/>
+            <a:ext cx="926979" cy="3747483"/>
+          </a:xfrm>
+          <a:prstGeom prst="straightConnector1">
+            <a:avLst/>
+          </a:prstGeom>
+          <a:ln>
+            <a:tailEnd type="triangle"/>
+          </a:ln>
+        </p:spPr>
+        <p:style>
+          <a:lnRef idx="3">
+            <a:schemeClr val="accent4"/>
+          </a:lnRef>
+          <a:fillRef idx="0">
+            <a:schemeClr val="accent4"/>
+          </a:fillRef>
+          <a:effectRef idx="2">
+            <a:schemeClr val="accent4"/>
+          </a:effectRef>
+          <a:fontRef idx="minor">
+            <a:schemeClr val="tx1"/>
+          </a:fontRef>
+        </p:style>
+      </p:cxnSp>
+      <p:cxnSp>
+        <p:nvCxnSpPr>
+          <p:cNvPr id="54" name="직선 화살표 연결선 53">
+            <a:extLst>
+              <a:ext uri="{FF2B5EF4-FFF2-40B4-BE49-F238E27FC236}">
+                <a16:creationId xmlns:a16="http://schemas.microsoft.com/office/drawing/2014/main" id="{BC490683-767F-A36A-2957-AB12F19600BB}"/>
+              </a:ext>
+            </a:extLst>
+          </p:cNvPr>
+          <p:cNvCxnSpPr>
+            <a:cxnSpLocks/>
+            <a:stCxn id="24" idx="3"/>
+            <a:endCxn id="35" idx="1"/>
+          </p:cNvCxnSpPr>
+          <p:nvPr/>
+        </p:nvCxnSpPr>
+        <p:spPr>
+          <a:xfrm>
+            <a:off x="3724921" y="5174198"/>
+            <a:ext cx="926979" cy="0"/>
+          </a:xfrm>
+          <a:prstGeom prst="straightConnector1">
+            <a:avLst/>
+          </a:prstGeom>
+          <a:ln>
+            <a:tailEnd type="triangle"/>
+          </a:ln>
+        </p:spPr>
+        <p:style>
+          <a:lnRef idx="3">
+            <a:schemeClr val="accent4"/>
+          </a:lnRef>
+          <a:fillRef idx="0">
+            <a:schemeClr val="accent4"/>
+          </a:fillRef>
+          <a:effectRef idx="2">
+            <a:schemeClr val="accent4"/>
+          </a:effectRef>
+          <a:fontRef idx="minor">
+            <a:schemeClr val="tx1"/>
+          </a:fontRef>
+        </p:style>
+      </p:cxnSp>
+      <p:cxnSp>
+        <p:nvCxnSpPr>
+          <p:cNvPr id="57" name="직선 화살표 연결선 56">
+            <a:extLst>
+              <a:ext uri="{FF2B5EF4-FFF2-40B4-BE49-F238E27FC236}">
+                <a16:creationId xmlns:a16="http://schemas.microsoft.com/office/drawing/2014/main" id="{E6F5050A-3436-CEE7-111C-87269942FC31}"/>
+              </a:ext>
+            </a:extLst>
+          </p:cNvPr>
+          <p:cNvCxnSpPr>
+            <a:cxnSpLocks/>
+            <a:stCxn id="25" idx="3"/>
+            <a:endCxn id="30" idx="1"/>
+          </p:cNvCxnSpPr>
+          <p:nvPr/>
+        </p:nvCxnSpPr>
+        <p:spPr>
+          <a:xfrm>
+            <a:off x="5868141" y="310719"/>
+            <a:ext cx="1115625" cy="8878"/>
+          </a:xfrm>
+          <a:prstGeom prst="straightConnector1">
+            <a:avLst/>
+          </a:prstGeom>
+          <a:ln>
+            <a:tailEnd type="triangle"/>
+          </a:ln>
+        </p:spPr>
+        <p:style>
+          <a:lnRef idx="3">
+            <a:schemeClr val="accent4"/>
+          </a:lnRef>
+          <a:fillRef idx="0">
+            <a:schemeClr val="accent4"/>
+          </a:fillRef>
+          <a:effectRef idx="2">
+            <a:schemeClr val="accent4"/>
+          </a:effectRef>
+          <a:fontRef idx="minor">
+            <a:schemeClr val="tx1"/>
+          </a:fontRef>
+        </p:style>
+      </p:cxnSp>
+      <p:cxnSp>
+        <p:nvCxnSpPr>
+          <p:cNvPr id="60" name="직선 화살표 연결선 59">
+            <a:extLst>
+              <a:ext uri="{FF2B5EF4-FFF2-40B4-BE49-F238E27FC236}">
+                <a16:creationId xmlns:a16="http://schemas.microsoft.com/office/drawing/2014/main" id="{143F6CB9-E044-7B8B-E185-280E4C1CC0B1}"/>
+              </a:ext>
+            </a:extLst>
+          </p:cNvPr>
+          <p:cNvCxnSpPr>
+            <a:cxnSpLocks/>
+            <a:stCxn id="25" idx="3"/>
+            <a:endCxn id="32" idx="1"/>
+          </p:cNvCxnSpPr>
+          <p:nvPr/>
+        </p:nvCxnSpPr>
+        <p:spPr>
+          <a:xfrm>
+            <a:off x="5868141" y="310719"/>
+            <a:ext cx="1115624" cy="490491"/>
+          </a:xfrm>
+          <a:prstGeom prst="straightConnector1">
+            <a:avLst/>
+          </a:prstGeom>
+          <a:ln>
+            <a:tailEnd type="triangle"/>
+          </a:ln>
+        </p:spPr>
+        <p:style>
+          <a:lnRef idx="3">
+            <a:schemeClr val="accent4"/>
+          </a:lnRef>
+          <a:fillRef idx="0">
+            <a:schemeClr val="accent4"/>
+          </a:fillRef>
+          <a:effectRef idx="2">
+            <a:schemeClr val="accent4"/>
+          </a:effectRef>
+          <a:fontRef idx="minor">
+            <a:schemeClr val="tx1"/>
+          </a:fontRef>
+        </p:style>
+      </p:cxnSp>
+      <p:cxnSp>
+        <p:nvCxnSpPr>
+          <p:cNvPr id="63" name="직선 화살표 연결선 62">
+            <a:extLst>
+              <a:ext uri="{FF2B5EF4-FFF2-40B4-BE49-F238E27FC236}">
+                <a16:creationId xmlns:a16="http://schemas.microsoft.com/office/drawing/2014/main" id="{65C6A893-E1F0-3AE0-2A46-8660389C83D3}"/>
+              </a:ext>
+            </a:extLst>
+          </p:cNvPr>
+          <p:cNvCxnSpPr>
+            <a:cxnSpLocks/>
+            <a:stCxn id="26" idx="3"/>
+            <a:endCxn id="33" idx="1"/>
+          </p:cNvCxnSpPr>
+          <p:nvPr/>
+        </p:nvCxnSpPr>
+        <p:spPr>
+          <a:xfrm flipV="1">
+            <a:off x="5868141" y="1519933"/>
+            <a:ext cx="1115623" cy="39947"/>
+          </a:xfrm>
+          <a:prstGeom prst="straightConnector1">
+            <a:avLst/>
+          </a:prstGeom>
+          <a:ln>
+            <a:tailEnd type="triangle"/>
+          </a:ln>
+        </p:spPr>
+        <p:style>
+          <a:lnRef idx="3">
+            <a:schemeClr val="accent4"/>
+          </a:lnRef>
+          <a:fillRef idx="0">
+            <a:schemeClr val="accent4"/>
+          </a:fillRef>
+          <a:effectRef idx="2">
+            <a:schemeClr val="accent4"/>
+          </a:effectRef>
+          <a:fontRef idx="minor">
+            <a:schemeClr val="tx1"/>
+          </a:fontRef>
+        </p:style>
+      </p:cxnSp>
+      <p:cxnSp>
+        <p:nvCxnSpPr>
+          <p:cNvPr id="66" name="직선 화살표 연결선 65">
+            <a:extLst>
+              <a:ext uri="{FF2B5EF4-FFF2-40B4-BE49-F238E27FC236}">
+                <a16:creationId xmlns:a16="http://schemas.microsoft.com/office/drawing/2014/main" id="{EF27E1FC-7859-9B55-77AA-4003C7A4E8AD}"/>
+              </a:ext>
+            </a:extLst>
+          </p:cNvPr>
+          <p:cNvCxnSpPr>
+            <a:cxnSpLocks/>
+            <a:stCxn id="26" idx="3"/>
+            <a:endCxn id="34" idx="1"/>
+          </p:cNvCxnSpPr>
+          <p:nvPr/>
+        </p:nvCxnSpPr>
+        <p:spPr>
+          <a:xfrm>
+            <a:off x="5868141" y="1559880"/>
+            <a:ext cx="1115623" cy="436671"/>
+          </a:xfrm>
+          <a:prstGeom prst="straightConnector1">
+            <a:avLst/>
+          </a:prstGeom>
+          <a:ln>
+            <a:tailEnd type="triangle"/>
+          </a:ln>
+        </p:spPr>
+        <p:style>
+          <a:lnRef idx="3">
+            <a:schemeClr val="accent4"/>
+          </a:lnRef>
+          <a:fillRef idx="0">
+            <a:schemeClr val="accent4"/>
+          </a:fillRef>
+          <a:effectRef idx="2">
+            <a:schemeClr val="accent4"/>
+          </a:effectRef>
+          <a:fontRef idx="minor">
+            <a:schemeClr val="tx1"/>
+          </a:fontRef>
+        </p:style>
+      </p:cxnSp>
+      <p:cxnSp>
+        <p:nvCxnSpPr>
+          <p:cNvPr id="69" name="직선 화살표 연결선 68">
+            <a:extLst>
+              <a:ext uri="{FF2B5EF4-FFF2-40B4-BE49-F238E27FC236}">
+                <a16:creationId xmlns:a16="http://schemas.microsoft.com/office/drawing/2014/main" id="{91117184-8678-9964-6B45-DEDE05701B98}"/>
+              </a:ext>
+            </a:extLst>
+          </p:cNvPr>
+          <p:cNvCxnSpPr>
+            <a:cxnSpLocks/>
+            <a:stCxn id="28" idx="3"/>
+            <a:endCxn id="41" idx="1"/>
+          </p:cNvCxnSpPr>
+          <p:nvPr/>
+        </p:nvCxnSpPr>
+        <p:spPr>
+          <a:xfrm>
+            <a:off x="5868141" y="2809041"/>
+            <a:ext cx="1115623" cy="0"/>
+          </a:xfrm>
+          <a:prstGeom prst="straightConnector1">
+            <a:avLst/>
+          </a:prstGeom>
+          <a:ln>
+            <a:tailEnd type="triangle"/>
+          </a:ln>
+        </p:spPr>
+        <p:style>
+          <a:lnRef idx="3">
+            <a:schemeClr val="accent4"/>
+          </a:lnRef>
+          <a:fillRef idx="0">
+            <a:schemeClr val="accent4"/>
+          </a:fillRef>
+          <a:effectRef idx="2">
+            <a:schemeClr val="accent4"/>
+          </a:effectRef>
+          <a:fontRef idx="minor">
+            <a:schemeClr val="tx1"/>
+          </a:fontRef>
+        </p:style>
+      </p:cxnSp>
+      <p:cxnSp>
+        <p:nvCxnSpPr>
+          <p:cNvPr id="72" name="직선 화살표 연결선 71">
+            <a:extLst>
+              <a:ext uri="{FF2B5EF4-FFF2-40B4-BE49-F238E27FC236}">
+                <a16:creationId xmlns:a16="http://schemas.microsoft.com/office/drawing/2014/main" id="{A9224DFC-3EBC-4D89-8C91-1E978A5D515D}"/>
+              </a:ext>
+            </a:extLst>
+          </p:cNvPr>
+          <p:cNvCxnSpPr>
+            <a:cxnSpLocks/>
+            <a:stCxn id="28" idx="3"/>
+            <a:endCxn id="42" idx="1"/>
+          </p:cNvCxnSpPr>
+          <p:nvPr/>
+        </p:nvCxnSpPr>
+        <p:spPr>
+          <a:xfrm>
+            <a:off x="5868141" y="2809041"/>
+            <a:ext cx="1115623" cy="619959"/>
+          </a:xfrm>
+          <a:prstGeom prst="straightConnector1">
+            <a:avLst/>
+          </a:prstGeom>
+          <a:ln>
+            <a:tailEnd type="triangle"/>
+          </a:ln>
+        </p:spPr>
+        <p:style>
+          <a:lnRef idx="3">
+            <a:schemeClr val="accent4"/>
+          </a:lnRef>
+          <a:fillRef idx="0">
+            <a:schemeClr val="accent4"/>
+          </a:fillRef>
+          <a:effectRef idx="2">
+            <a:schemeClr val="accent4"/>
+          </a:effectRef>
+          <a:fontRef idx="minor">
+            <a:schemeClr val="tx1"/>
+          </a:fontRef>
+        </p:style>
+      </p:cxnSp>
+      <p:sp>
+        <p:nvSpPr>
+          <p:cNvPr id="113" name="TextBox 112">
+            <a:extLst>
+              <a:ext uri="{FF2B5EF4-FFF2-40B4-BE49-F238E27FC236}">
+                <a16:creationId xmlns:a16="http://schemas.microsoft.com/office/drawing/2014/main" id="{554E5735-9930-8639-9A06-516DFB82A21A}"/>
+              </a:ext>
+            </a:extLst>
+          </p:cNvPr>
+          <p:cNvSpPr txBox="1"/>
+          <p:nvPr/>
+        </p:nvSpPr>
+        <p:spPr>
+          <a:xfrm>
+            <a:off x="4651900" y="562359"/>
+            <a:ext cx="1376038" cy="215444"/>
+          </a:xfrm>
+          <a:prstGeom prst="rect">
+            <a:avLst/>
+          </a:prstGeom>
+        </p:spPr>
+        <p:style>
+          <a:lnRef idx="2">
+            <a:schemeClr val="dk1"/>
+          </a:lnRef>
+          <a:fillRef idx="1">
+            <a:schemeClr val="lt1"/>
+          </a:fillRef>
+          <a:effectRef idx="0">
+            <a:schemeClr val="dk1"/>
+          </a:effectRef>
+          <a:fontRef idx="minor">
+            <a:schemeClr val="dk1"/>
+          </a:fontRef>
+        </p:style>
+        <p:txBody>
+          <a:bodyPr wrap="square" rtlCol="0">
+            <a:spAutoFit/>
+          </a:bodyPr>
+          <a:lstStyle/>
+          <a:p>
+            <a:r>
+              <a:rPr lang="ko-KR" altLang="en-US" sz="800"/>
+              <a:t>사용자 정의 데이터 타입</a:t>
+            </a:r>
+          </a:p>
+        </p:txBody>
+      </p:sp>
+      <p:sp>
+        <p:nvSpPr>
+          <p:cNvPr id="114" name="TextBox 113">
+            <a:extLst>
+              <a:ext uri="{FF2B5EF4-FFF2-40B4-BE49-F238E27FC236}">
+                <a16:creationId xmlns:a16="http://schemas.microsoft.com/office/drawing/2014/main" id="{8A253DD8-71B6-25CE-ACAA-3FB75847794C}"/>
+              </a:ext>
+            </a:extLst>
+          </p:cNvPr>
+          <p:cNvSpPr txBox="1"/>
+          <p:nvPr/>
+        </p:nvSpPr>
+        <p:spPr>
+          <a:xfrm>
+            <a:off x="4651900" y="1833341"/>
+            <a:ext cx="1376038" cy="338554"/>
+          </a:xfrm>
+          <a:prstGeom prst="rect">
+            <a:avLst/>
+          </a:prstGeom>
+        </p:spPr>
+        <p:style>
+          <a:lnRef idx="2">
+            <a:schemeClr val="dk1"/>
+          </a:lnRef>
+          <a:fillRef idx="1">
+            <a:schemeClr val="lt1"/>
+          </a:fillRef>
+          <a:effectRef idx="0">
+            <a:schemeClr val="dk1"/>
+          </a:effectRef>
+          <a:fontRef idx="minor">
+            <a:schemeClr val="dk1"/>
+          </a:fontRef>
+        </p:style>
+        <p:txBody>
+          <a:bodyPr wrap="square" rtlCol="0">
+            <a:spAutoFit/>
+          </a:bodyPr>
+          <a:lstStyle/>
+          <a:p>
+            <a:r>
+              <a:rPr lang="ko-KR" altLang="en-US" sz="800" dirty="0"/>
+              <a:t>데이터 저장 및 조회</a:t>
+            </a:r>
+            <a:r>
+              <a:rPr lang="en-US" altLang="ko-KR" sz="800" dirty="0"/>
+              <a:t>,</a:t>
+            </a:r>
+          </a:p>
+          <a:p>
+            <a:r>
+              <a:rPr lang="en-US" altLang="ko-KR" sz="800" dirty="0"/>
+              <a:t>(</a:t>
+            </a:r>
+            <a:r>
+              <a:rPr lang="ko-KR" altLang="en-US" sz="800" dirty="0" err="1"/>
+              <a:t>퍼시스턴스</a:t>
+            </a:r>
+            <a:r>
+              <a:rPr lang="en-US" altLang="ko-KR" sz="800" dirty="0"/>
+              <a:t>)</a:t>
+            </a:r>
+            <a:r>
+              <a:rPr lang="ko-KR" altLang="en-US" sz="800" dirty="0"/>
+              <a:t> 역할 수행</a:t>
+            </a:r>
+          </a:p>
+        </p:txBody>
+      </p:sp>
+      <p:sp>
+        <p:nvSpPr>
+          <p:cNvPr id="115" name="TextBox 114">
+            <a:extLst>
+              <a:ext uri="{FF2B5EF4-FFF2-40B4-BE49-F238E27FC236}">
+                <a16:creationId xmlns:a16="http://schemas.microsoft.com/office/drawing/2014/main" id="{9CDB1F83-0BD1-035E-23B2-F2A8755274C4}"/>
+              </a:ext>
+            </a:extLst>
+          </p:cNvPr>
+          <p:cNvSpPr txBox="1"/>
+          <p:nvPr/>
+        </p:nvSpPr>
+        <p:spPr>
+          <a:xfrm>
+            <a:off x="4651900" y="3154726"/>
+            <a:ext cx="1376038" cy="215444"/>
+          </a:xfrm>
+          <a:prstGeom prst="rect">
+            <a:avLst/>
+          </a:prstGeom>
+        </p:spPr>
+        <p:style>
+          <a:lnRef idx="2">
+            <a:schemeClr val="dk1"/>
+          </a:lnRef>
+          <a:fillRef idx="1">
+            <a:schemeClr val="lt1"/>
+          </a:fillRef>
+          <a:effectRef idx="0">
+            <a:schemeClr val="dk1"/>
+          </a:effectRef>
+          <a:fontRef idx="minor">
+            <a:schemeClr val="dk1"/>
+          </a:fontRef>
+        </p:style>
+        <p:txBody>
+          <a:bodyPr wrap="square" rtlCol="0">
+            <a:spAutoFit/>
+          </a:bodyPr>
+          <a:lstStyle/>
+          <a:p>
+            <a:r>
+              <a:rPr lang="en-US" altLang="ko-KR" sz="800" dirty="0"/>
+              <a:t>UI </a:t>
+            </a:r>
+            <a:r>
+              <a:rPr lang="ko-KR" altLang="en-US" sz="800" dirty="0"/>
+              <a:t>처리</a:t>
+            </a:r>
+          </a:p>
+        </p:txBody>
+      </p:sp>
+      <p:sp>
+        <p:nvSpPr>
+          <p:cNvPr id="116" name="TextBox 115">
+            <a:extLst>
+              <a:ext uri="{FF2B5EF4-FFF2-40B4-BE49-F238E27FC236}">
+                <a16:creationId xmlns:a16="http://schemas.microsoft.com/office/drawing/2014/main" id="{F4D29FD6-577E-BDF8-CF07-913C6A4C1080}"/>
+              </a:ext>
+            </a:extLst>
+          </p:cNvPr>
+          <p:cNvSpPr txBox="1"/>
+          <p:nvPr/>
+        </p:nvSpPr>
+        <p:spPr>
+          <a:xfrm>
+            <a:off x="2508680" y="5516751"/>
+            <a:ext cx="1376038" cy="338554"/>
+          </a:xfrm>
+          <a:prstGeom prst="rect">
+            <a:avLst/>
+          </a:prstGeom>
+        </p:spPr>
+        <p:style>
+          <a:lnRef idx="2">
+            <a:schemeClr val="dk1"/>
+          </a:lnRef>
+          <a:fillRef idx="1">
+            <a:schemeClr val="lt1"/>
+          </a:fillRef>
+          <a:effectRef idx="0">
+            <a:schemeClr val="dk1"/>
+          </a:effectRef>
+          <a:fontRef idx="minor">
+            <a:schemeClr val="dk1"/>
+          </a:fontRef>
+        </p:style>
+        <p:txBody>
+          <a:bodyPr wrap="square" rtlCol="0">
+            <a:spAutoFit/>
+          </a:bodyPr>
+          <a:lstStyle/>
+          <a:p>
+            <a:r>
+              <a:rPr lang="ko-KR" altLang="en-US" sz="800" dirty="0"/>
+              <a:t>여러 프로젝트에서 사용할</a:t>
+            </a:r>
+            <a:endParaRPr lang="en-US" altLang="ko-KR" sz="800" dirty="0"/>
+          </a:p>
+          <a:p>
+            <a:r>
+              <a:rPr lang="ko-KR" altLang="en-US" sz="800" dirty="0"/>
+              <a:t>실생활 객체</a:t>
+            </a:r>
+          </a:p>
+        </p:txBody>
+      </p:sp>
+    </p:spTree>
+    <p:extLst>
+      <p:ext uri="{BB962C8B-B14F-4D97-AF65-F5344CB8AC3E}">
+        <p14:creationId xmlns:p14="http://schemas.microsoft.com/office/powerpoint/2010/main" val="2315412198"/>
+      </p:ext>
+    </p:extLst>
+  </p:cSld>
+  <p:clrMapOvr>
+    <a:masterClrMapping/>
+  </p:clrMapOvr>
+</p:sld>
+</file>
+
+<file path=ppt/slides/slide5.xml><?xml version="1.0" encoding="utf-8"?>
+<p:sld xmlns:a="http://schemas.openxmlformats.org/drawingml/2006/main" xmlns:r="http://schemas.openxmlformats.org/officeDocument/2006/relationships" xmlns:p="http://schemas.openxmlformats.org/presentationml/2006/main">
+  <p:cSld>
+    <p:spTree>
+      <p:nvGrpSpPr>
+        <p:cNvPr id="1" name=""/>
+        <p:cNvGrpSpPr/>
+        <p:nvPr/>
+      </p:nvGrpSpPr>
+      <p:grpSpPr>
+        <a:xfrm>
+          <a:off x="0" y="0"/>
+          <a:ext cx="0" cy="0"/>
+          <a:chOff x="0" y="0"/>
+          <a:chExt cx="0" cy="0"/>
+        </a:xfrm>
+      </p:grpSpPr>
+      <p:sp>
+        <p:nvSpPr>
+          <p:cNvPr id="33" name="직사각형 32">
+            <a:extLst>
+              <a:ext uri="{FF2B5EF4-FFF2-40B4-BE49-F238E27FC236}">
+                <a16:creationId xmlns:a16="http://schemas.microsoft.com/office/drawing/2014/main" id="{41328566-3FA9-164F-4677-FFC6508B74B4}"/>
+              </a:ext>
+            </a:extLst>
+          </p:cNvPr>
+          <p:cNvSpPr/>
+          <p:nvPr/>
+        </p:nvSpPr>
+        <p:spPr>
+          <a:xfrm>
+            <a:off x="1029810" y="1049416"/>
+            <a:ext cx="1216241" cy="266330"/>
+          </a:xfrm>
+          <a:prstGeom prst="rect">
+            <a:avLst/>
+          </a:prstGeom>
+        </p:spPr>
+        <p:style>
+          <a:lnRef idx="2">
+            <a:schemeClr val="accent5">
+              <a:shade val="50000"/>
+            </a:schemeClr>
+          </a:lnRef>
+          <a:fillRef idx="1">
+            <a:schemeClr val="accent5"/>
+          </a:fillRef>
+          <a:effectRef idx="0">
+            <a:schemeClr val="accent5"/>
+          </a:effectRef>
+          <a:fontRef idx="minor">
+            <a:schemeClr val="lt1"/>
+          </a:fontRef>
+        </p:style>
+        <p:txBody>
+          <a:bodyPr rtlCol="0" anchor="ctr"/>
+          <a:lstStyle/>
+          <a:p>
+            <a:pPr algn="ctr"/>
+            <a:r>
+              <a:rPr lang="en-US" altLang="ko-KR" dirty="0" err="1"/>
+              <a:t>BoardList</a:t>
+            </a:r>
+            <a:endParaRPr lang="ko-KR" altLang="en-US" dirty="0"/>
+          </a:p>
+        </p:txBody>
+      </p:sp>
+      <p:sp>
+        <p:nvSpPr>
+          <p:cNvPr id="34" name="직사각형 33">
+            <a:extLst>
+              <a:ext uri="{FF2B5EF4-FFF2-40B4-BE49-F238E27FC236}">
+                <a16:creationId xmlns:a16="http://schemas.microsoft.com/office/drawing/2014/main" id="{A1EE9114-750E-A274-4A4C-E0162D6234A0}"/>
+              </a:ext>
+            </a:extLst>
+          </p:cNvPr>
+          <p:cNvSpPr/>
+          <p:nvPr/>
+        </p:nvSpPr>
+        <p:spPr>
+          <a:xfrm>
+            <a:off x="4862001" y="1049416"/>
+            <a:ext cx="1942731" cy="266330"/>
+          </a:xfrm>
+          <a:prstGeom prst="rect">
+            <a:avLst/>
+          </a:prstGeom>
+        </p:spPr>
+        <p:style>
+          <a:lnRef idx="2">
+            <a:schemeClr val="accent5">
+              <a:shade val="50000"/>
+            </a:schemeClr>
+          </a:lnRef>
+          <a:fillRef idx="1">
+            <a:schemeClr val="accent5"/>
+          </a:fillRef>
+          <a:effectRef idx="0">
+            <a:schemeClr val="accent5"/>
+          </a:effectRef>
+          <a:fontRef idx="minor">
+            <a:schemeClr val="lt1"/>
+          </a:fontRef>
+        </p:style>
+        <p:txBody>
+          <a:bodyPr rtlCol="0" anchor="ctr"/>
+          <a:lstStyle/>
+          <a:p>
+            <a:pPr algn="ctr"/>
+            <a:r>
+              <a:rPr lang="en-US" altLang="ko-KR" dirty="0" err="1"/>
+              <a:t>MemberList</a:t>
+            </a:r>
+            <a:endParaRPr lang="ko-KR" altLang="en-US" dirty="0"/>
+          </a:p>
+        </p:txBody>
+      </p:sp>
+      <p:sp>
+        <p:nvSpPr>
+          <p:cNvPr id="3" name="직사각형 2">
+            <a:extLst>
+              <a:ext uri="{FF2B5EF4-FFF2-40B4-BE49-F238E27FC236}">
+                <a16:creationId xmlns:a16="http://schemas.microsoft.com/office/drawing/2014/main" id="{C752798E-8F2D-6261-246E-1C5A9ED01797}"/>
+              </a:ext>
+            </a:extLst>
+          </p:cNvPr>
+          <p:cNvSpPr/>
+          <p:nvPr/>
+        </p:nvSpPr>
+        <p:spPr>
+          <a:xfrm>
+            <a:off x="1029810" y="1315746"/>
+            <a:ext cx="2965141" cy="2894120"/>
+          </a:xfrm>
+          <a:prstGeom prst="rect">
+            <a:avLst/>
+          </a:prstGeom>
+        </p:spPr>
+        <p:style>
+          <a:lnRef idx="2">
+            <a:schemeClr val="accent1">
+              <a:shade val="50000"/>
+            </a:schemeClr>
+          </a:lnRef>
+          <a:fillRef idx="1">
+            <a:schemeClr val="accent1"/>
+          </a:fillRef>
+          <a:effectRef idx="0">
+            <a:schemeClr val="accent1"/>
+          </a:effectRef>
+          <a:fontRef idx="minor">
+            <a:schemeClr val="lt1"/>
+          </a:fontRef>
+        </p:style>
+        <p:txBody>
+          <a:bodyPr rtlCol="0" anchor="t"/>
+          <a:lstStyle/>
+          <a:p>
+            <a:pPr marL="285750" indent="-285750">
+              <a:buFont typeface="Arial" panose="020B0604020202020204" pitchFamily="34" charset="0"/>
+              <a:buChar char="•"/>
+            </a:pPr>
+            <a:r>
+              <a:rPr lang="en-US" altLang="ko-KR" dirty="0" err="1"/>
+              <a:t>boardCount</a:t>
+            </a:r>
+            <a:r>
+              <a:rPr lang="en-US" altLang="ko-KR" dirty="0"/>
+              <a:t>: int</a:t>
+            </a:r>
+          </a:p>
+          <a:p>
+            <a:pPr marL="285750" indent="-285750">
+              <a:buFont typeface="Arial" panose="020B0604020202020204" pitchFamily="34" charset="0"/>
+              <a:buChar char="•"/>
+            </a:pPr>
+            <a:r>
+              <a:rPr lang="en-US" altLang="ko-KR" dirty="0"/>
+              <a:t>boards: Board[]</a:t>
+            </a:r>
+          </a:p>
+          <a:p>
+            <a:pPr marL="285750" indent="-285750">
+              <a:buFont typeface="Arial" panose="020B0604020202020204" pitchFamily="34" charset="0"/>
+              <a:buChar char="•"/>
+            </a:pPr>
+            <a:r>
+              <a:rPr lang="en-US" altLang="ko-KR" dirty="0"/>
+              <a:t>no: int</a:t>
+            </a:r>
+          </a:p>
+          <a:p>
+            <a:pPr marL="285750" indent="-285750">
+              <a:buFont typeface="Arial" panose="020B0604020202020204" pitchFamily="34" charset="0"/>
+              <a:buChar char="•"/>
+            </a:pPr>
+            <a:r>
+              <a:rPr lang="en-US" altLang="ko-KR" dirty="0" err="1"/>
+              <a:t>toArray</a:t>
+            </a:r>
+            <a:r>
+              <a:rPr lang="en-US" altLang="ko-KR" dirty="0"/>
+              <a:t>()</a:t>
+            </a:r>
+          </a:p>
+          <a:p>
+            <a:pPr marL="285750" indent="-285750">
+              <a:buFont typeface="Arial" panose="020B0604020202020204" pitchFamily="34" charset="0"/>
+              <a:buChar char="•"/>
+            </a:pPr>
+            <a:r>
+              <a:rPr lang="en-US" altLang="ko-KR" dirty="0"/>
+              <a:t>add()</a:t>
+            </a:r>
+          </a:p>
+          <a:p>
+            <a:pPr marL="285750" indent="-285750">
+              <a:buFont typeface="Arial" panose="020B0604020202020204" pitchFamily="34" charset="0"/>
+              <a:buChar char="•"/>
+            </a:pPr>
+            <a:r>
+              <a:rPr lang="en-US" altLang="ko-KR" dirty="0"/>
+              <a:t>get()</a:t>
+            </a:r>
+          </a:p>
+          <a:p>
+            <a:pPr marL="285750" indent="-285750">
+              <a:buFont typeface="Arial" panose="020B0604020202020204" pitchFamily="34" charset="0"/>
+              <a:buChar char="•"/>
+            </a:pPr>
+            <a:r>
+              <a:rPr lang="en-US" altLang="ko-KR" dirty="0"/>
+              <a:t>remove()</a:t>
+            </a:r>
+          </a:p>
+          <a:p>
+            <a:pPr marL="285750" indent="-285750">
+              <a:buFont typeface="Arial" panose="020B0604020202020204" pitchFamily="34" charset="0"/>
+              <a:buChar char="•"/>
+            </a:pPr>
+            <a:r>
+              <a:rPr lang="en-US" altLang="ko-KR" dirty="0"/>
+              <a:t>grow()</a:t>
+            </a:r>
+          </a:p>
+          <a:p>
+            <a:pPr marL="285750" indent="-285750">
+              <a:buFont typeface="Arial" panose="020B0604020202020204" pitchFamily="34" charset="0"/>
+              <a:buChar char="•"/>
+            </a:pPr>
+            <a:r>
+              <a:rPr lang="en-US" altLang="ko-KR" dirty="0" err="1"/>
+              <a:t>nextNo</a:t>
+            </a:r>
+            <a:r>
+              <a:rPr lang="en-US" altLang="ko-KR" dirty="0"/>
+              <a:t>()</a:t>
+            </a:r>
+          </a:p>
+        </p:txBody>
+      </p:sp>
+      <p:sp>
+        <p:nvSpPr>
+          <p:cNvPr id="36" name="직사각형 35">
+            <a:extLst>
+              <a:ext uri="{FF2B5EF4-FFF2-40B4-BE49-F238E27FC236}">
+                <a16:creationId xmlns:a16="http://schemas.microsoft.com/office/drawing/2014/main" id="{29D296C0-54B7-661A-1FE4-70149DD02DD2}"/>
+              </a:ext>
+            </a:extLst>
+          </p:cNvPr>
+          <p:cNvSpPr/>
+          <p:nvPr/>
+        </p:nvSpPr>
+        <p:spPr>
+          <a:xfrm>
+            <a:off x="4862001" y="1315746"/>
+            <a:ext cx="2965141" cy="2894120"/>
+          </a:xfrm>
+          <a:prstGeom prst="rect">
+            <a:avLst/>
+          </a:prstGeom>
+        </p:spPr>
+        <p:style>
+          <a:lnRef idx="2">
+            <a:schemeClr val="accent1">
+              <a:shade val="50000"/>
+            </a:schemeClr>
+          </a:lnRef>
+          <a:fillRef idx="1">
+            <a:schemeClr val="accent1"/>
+          </a:fillRef>
+          <a:effectRef idx="0">
+            <a:schemeClr val="accent1"/>
+          </a:effectRef>
+          <a:fontRef idx="minor">
+            <a:schemeClr val="lt1"/>
+          </a:fontRef>
+        </p:style>
+        <p:txBody>
+          <a:bodyPr rtlCol="0" anchor="t"/>
+          <a:lstStyle/>
+          <a:p>
+            <a:pPr marL="285750" indent="-285750">
+              <a:buFont typeface="Arial" panose="020B0604020202020204" pitchFamily="34" charset="0"/>
+              <a:buChar char="•"/>
+            </a:pPr>
+            <a:r>
+              <a:rPr lang="en-US" altLang="ko-KR" dirty="0" err="1"/>
+              <a:t>memberCount</a:t>
+            </a:r>
+            <a:r>
+              <a:rPr lang="en-US" altLang="ko-KR" dirty="0"/>
+              <a:t>: int</a:t>
+            </a:r>
+          </a:p>
+          <a:p>
+            <a:pPr marL="285750" indent="-285750">
+              <a:buFont typeface="Arial" panose="020B0604020202020204" pitchFamily="34" charset="0"/>
+              <a:buChar char="•"/>
+            </a:pPr>
+            <a:r>
+              <a:rPr lang="en-US" altLang="ko-KR" dirty="0"/>
+              <a:t>members: Member[]</a:t>
+            </a:r>
+          </a:p>
+          <a:p>
+            <a:pPr marL="285750" indent="-285750">
+              <a:buFont typeface="Arial" panose="020B0604020202020204" pitchFamily="34" charset="0"/>
+              <a:buChar char="•"/>
+            </a:pPr>
+            <a:r>
+              <a:rPr lang="en-US" altLang="ko-KR" dirty="0"/>
+              <a:t>no: int</a:t>
+            </a:r>
+          </a:p>
+          <a:p>
+            <a:pPr marL="285750" indent="-285750">
+              <a:buFont typeface="Arial" panose="020B0604020202020204" pitchFamily="34" charset="0"/>
+              <a:buChar char="•"/>
+            </a:pPr>
+            <a:r>
+              <a:rPr lang="en-US" altLang="ko-KR" dirty="0" err="1"/>
+              <a:t>toArray</a:t>
+            </a:r>
+            <a:r>
+              <a:rPr lang="en-US" altLang="ko-KR" dirty="0"/>
+              <a:t>()</a:t>
+            </a:r>
+          </a:p>
+          <a:p>
+            <a:pPr marL="285750" indent="-285750">
+              <a:buFont typeface="Arial" panose="020B0604020202020204" pitchFamily="34" charset="0"/>
+              <a:buChar char="•"/>
+            </a:pPr>
+            <a:r>
+              <a:rPr lang="en-US" altLang="ko-KR" dirty="0"/>
+              <a:t>add()</a:t>
+            </a:r>
+          </a:p>
+          <a:p>
+            <a:pPr marL="285750" indent="-285750">
+              <a:buFont typeface="Arial" panose="020B0604020202020204" pitchFamily="34" charset="0"/>
+              <a:buChar char="•"/>
+            </a:pPr>
+            <a:r>
+              <a:rPr lang="en-US" altLang="ko-KR" dirty="0"/>
+              <a:t>get()</a:t>
+            </a:r>
+          </a:p>
+          <a:p>
+            <a:pPr marL="285750" indent="-285750">
+              <a:buFont typeface="Arial" panose="020B0604020202020204" pitchFamily="34" charset="0"/>
+              <a:buChar char="•"/>
+            </a:pPr>
+            <a:r>
+              <a:rPr lang="en-US" altLang="ko-KR" dirty="0"/>
+              <a:t>remove()</a:t>
+            </a:r>
+          </a:p>
+          <a:p>
+            <a:pPr marL="285750" indent="-285750">
+              <a:buFont typeface="Arial" panose="020B0604020202020204" pitchFamily="34" charset="0"/>
+              <a:buChar char="•"/>
+            </a:pPr>
+            <a:r>
+              <a:rPr lang="en-US" altLang="ko-KR" dirty="0"/>
+              <a:t>grow()</a:t>
+            </a:r>
+          </a:p>
+          <a:p>
+            <a:pPr marL="285750" indent="-285750">
+              <a:buFont typeface="Arial" panose="020B0604020202020204" pitchFamily="34" charset="0"/>
+              <a:buChar char="•"/>
+            </a:pPr>
+            <a:r>
+              <a:rPr lang="en-US" altLang="ko-KR" dirty="0" err="1"/>
+              <a:t>nextNo</a:t>
+            </a:r>
+            <a:r>
+              <a:rPr lang="en-US" altLang="ko-KR" dirty="0"/>
+              <a:t>()</a:t>
+            </a:r>
+          </a:p>
+        </p:txBody>
+      </p:sp>
+    </p:spTree>
+    <p:extLst>
+      <p:ext uri="{BB962C8B-B14F-4D97-AF65-F5344CB8AC3E}">
+        <p14:creationId xmlns:p14="http://schemas.microsoft.com/office/powerpoint/2010/main" val="875471188"/>
+      </p:ext>
+    </p:extLst>
+  </p:cSld>
+  <p:clrMapOvr>
+    <a:masterClrMapping/>
+  </p:clrMapOvr>
+</p:sld>
+</file>
+
+<file path=ppt/slides/slide6.xml><?xml version="1.0" encoding="utf-8"?>
+<p:sld xmlns:a="http://schemas.openxmlformats.org/drawingml/2006/main" xmlns:r="http://schemas.openxmlformats.org/officeDocument/2006/relationships" xmlns:p="http://schemas.openxmlformats.org/presentationml/2006/main">
+  <p:cSld>
+    <p:spTree>
+      <p:nvGrpSpPr>
+        <p:cNvPr id="1" name=""/>
+        <p:cNvGrpSpPr/>
+        <p:nvPr/>
+      </p:nvGrpSpPr>
+      <p:grpSpPr>
+        <a:xfrm>
+          <a:off x="0" y="0"/>
+          <a:ext cx="0" cy="0"/>
+          <a:chOff x="0" y="0"/>
+          <a:chExt cx="0" cy="0"/>
+        </a:xfrm>
+      </p:grpSpPr>
+      <p:sp>
+        <p:nvSpPr>
+          <p:cNvPr id="33" name="직사각형 32">
+            <a:extLst>
+              <a:ext uri="{FF2B5EF4-FFF2-40B4-BE49-F238E27FC236}">
+                <a16:creationId xmlns:a16="http://schemas.microsoft.com/office/drawing/2014/main" id="{41328566-3FA9-164F-4677-FFC6508B74B4}"/>
+              </a:ext>
+            </a:extLst>
+          </p:cNvPr>
+          <p:cNvSpPr/>
+          <p:nvPr/>
+        </p:nvSpPr>
+        <p:spPr>
+          <a:xfrm>
+            <a:off x="310719" y="3493364"/>
+            <a:ext cx="1216241" cy="266330"/>
+          </a:xfrm>
+          <a:prstGeom prst="rect">
+            <a:avLst/>
+          </a:prstGeom>
+        </p:spPr>
+        <p:style>
+          <a:lnRef idx="2">
+            <a:schemeClr val="accent5">
+              <a:shade val="50000"/>
+            </a:schemeClr>
+          </a:lnRef>
+          <a:fillRef idx="1">
+            <a:schemeClr val="accent5"/>
+          </a:fillRef>
+          <a:effectRef idx="0">
+            <a:schemeClr val="accent5"/>
+          </a:effectRef>
+          <a:fontRef idx="minor">
+            <a:schemeClr val="lt1"/>
+          </a:fontRef>
+        </p:style>
+        <p:txBody>
+          <a:bodyPr rtlCol="0" anchor="ctr"/>
+          <a:lstStyle/>
+          <a:p>
+            <a:pPr algn="ctr"/>
+            <a:r>
+              <a:rPr lang="en-US" altLang="ko-KR" dirty="0" err="1"/>
+              <a:t>BoardList</a:t>
+            </a:r>
+            <a:endParaRPr lang="ko-KR" altLang="en-US" dirty="0"/>
+          </a:p>
+        </p:txBody>
+      </p:sp>
+      <p:sp>
+        <p:nvSpPr>
+          <p:cNvPr id="34" name="직사각형 33">
+            <a:extLst>
+              <a:ext uri="{FF2B5EF4-FFF2-40B4-BE49-F238E27FC236}">
+                <a16:creationId xmlns:a16="http://schemas.microsoft.com/office/drawing/2014/main" id="{A1EE9114-750E-A274-4A4C-E0162D6234A0}"/>
+              </a:ext>
+            </a:extLst>
+          </p:cNvPr>
+          <p:cNvSpPr/>
+          <p:nvPr/>
+        </p:nvSpPr>
+        <p:spPr>
+          <a:xfrm>
+            <a:off x="4142910" y="3493364"/>
+            <a:ext cx="1942731" cy="266330"/>
+          </a:xfrm>
+          <a:prstGeom prst="rect">
+            <a:avLst/>
+          </a:prstGeom>
+        </p:spPr>
+        <p:style>
+          <a:lnRef idx="2">
+            <a:schemeClr val="accent5">
+              <a:shade val="50000"/>
+            </a:schemeClr>
+          </a:lnRef>
+          <a:fillRef idx="1">
+            <a:schemeClr val="accent5"/>
+          </a:fillRef>
+          <a:effectRef idx="0">
+            <a:schemeClr val="accent5"/>
+          </a:effectRef>
+          <a:fontRef idx="minor">
+            <a:schemeClr val="lt1"/>
+          </a:fontRef>
+        </p:style>
+        <p:txBody>
+          <a:bodyPr rtlCol="0" anchor="ctr"/>
+          <a:lstStyle/>
+          <a:p>
+            <a:pPr algn="ctr"/>
+            <a:r>
+              <a:rPr lang="en-US" altLang="ko-KR" dirty="0" err="1"/>
+              <a:t>MemberList</a:t>
+            </a:r>
+            <a:endParaRPr lang="ko-KR" altLang="en-US" dirty="0"/>
+          </a:p>
+        </p:txBody>
+      </p:sp>
+      <p:sp>
+        <p:nvSpPr>
+          <p:cNvPr id="3" name="직사각형 2">
+            <a:extLst>
+              <a:ext uri="{FF2B5EF4-FFF2-40B4-BE49-F238E27FC236}">
+                <a16:creationId xmlns:a16="http://schemas.microsoft.com/office/drawing/2014/main" id="{C752798E-8F2D-6261-246E-1C5A9ED01797}"/>
+              </a:ext>
+            </a:extLst>
+          </p:cNvPr>
+          <p:cNvSpPr/>
+          <p:nvPr/>
+        </p:nvSpPr>
+        <p:spPr>
+          <a:xfrm>
+            <a:off x="310719" y="3759694"/>
+            <a:ext cx="2965141" cy="2894120"/>
+          </a:xfrm>
+          <a:prstGeom prst="rect">
+            <a:avLst/>
+          </a:prstGeom>
+        </p:spPr>
+        <p:style>
+          <a:lnRef idx="2">
+            <a:schemeClr val="accent1">
+              <a:shade val="50000"/>
+            </a:schemeClr>
+          </a:lnRef>
+          <a:fillRef idx="1">
+            <a:schemeClr val="accent1"/>
+          </a:fillRef>
+          <a:effectRef idx="0">
+            <a:schemeClr val="accent1"/>
+          </a:effectRef>
+          <a:fontRef idx="minor">
+            <a:schemeClr val="lt1"/>
+          </a:fontRef>
+        </p:style>
+        <p:txBody>
+          <a:bodyPr rtlCol="0" anchor="t"/>
+          <a:lstStyle/>
+          <a:p>
+            <a:pPr marL="285750" indent="-285750">
+              <a:buFont typeface="Arial" panose="020B0604020202020204" pitchFamily="34" charset="0"/>
+              <a:buChar char="•"/>
+            </a:pPr>
+            <a:r>
+              <a:rPr lang="en-US" altLang="ko-KR" strike="sngStrike" dirty="0" err="1">
+                <a:solidFill>
+                  <a:schemeClr val="accent4"/>
+                </a:solidFill>
+              </a:rPr>
+              <a:t>boardCount</a:t>
+            </a:r>
+            <a:r>
+              <a:rPr lang="en-US" altLang="ko-KR" strike="sngStrike" dirty="0">
+                <a:solidFill>
+                  <a:schemeClr val="accent4"/>
+                </a:solidFill>
+              </a:rPr>
+              <a:t>: int</a:t>
+            </a:r>
+          </a:p>
+          <a:p>
+            <a:pPr marL="285750" indent="-285750">
+              <a:buFont typeface="Arial" panose="020B0604020202020204" pitchFamily="34" charset="0"/>
+              <a:buChar char="•"/>
+            </a:pPr>
+            <a:r>
+              <a:rPr lang="en-US" altLang="ko-KR" strike="sngStrike" dirty="0">
+                <a:solidFill>
+                  <a:schemeClr val="accent4"/>
+                </a:solidFill>
+              </a:rPr>
+              <a:t>boards: Board[]</a:t>
+            </a:r>
+          </a:p>
+          <a:p>
+            <a:pPr marL="285750" indent="-285750">
+              <a:buFont typeface="Arial" panose="020B0604020202020204" pitchFamily="34" charset="0"/>
+              <a:buChar char="•"/>
+            </a:pPr>
+            <a:r>
+              <a:rPr lang="en-US" altLang="ko-KR" dirty="0"/>
+              <a:t>no: int</a:t>
+            </a:r>
+          </a:p>
+          <a:p>
+            <a:pPr marL="285750" indent="-285750">
+              <a:buFont typeface="Arial" panose="020B0604020202020204" pitchFamily="34" charset="0"/>
+              <a:buChar char="•"/>
+            </a:pPr>
+            <a:r>
+              <a:rPr lang="en-US" altLang="ko-KR" strike="sngStrike" dirty="0" err="1">
+                <a:solidFill>
+                  <a:schemeClr val="accent4"/>
+                </a:solidFill>
+              </a:rPr>
+              <a:t>toArray</a:t>
+            </a:r>
+            <a:r>
+              <a:rPr lang="en-US" altLang="ko-KR" strike="sngStrike" dirty="0">
+                <a:solidFill>
+                  <a:schemeClr val="accent4"/>
+                </a:solidFill>
+              </a:rPr>
+              <a:t>()</a:t>
+            </a:r>
+          </a:p>
+          <a:p>
+            <a:pPr marL="285750" indent="-285750">
+              <a:buFont typeface="Arial" panose="020B0604020202020204" pitchFamily="34" charset="0"/>
+              <a:buChar char="•"/>
+            </a:pPr>
+            <a:r>
+              <a:rPr lang="en-US" altLang="ko-KR" strike="sngStrike" dirty="0">
+                <a:solidFill>
+                  <a:schemeClr val="accent4"/>
+                </a:solidFill>
+              </a:rPr>
+              <a:t>add()</a:t>
+            </a:r>
+          </a:p>
+          <a:p>
+            <a:pPr marL="285750" indent="-285750">
+              <a:buFont typeface="Arial" panose="020B0604020202020204" pitchFamily="34" charset="0"/>
+              <a:buChar char="•"/>
+            </a:pPr>
+            <a:r>
+              <a:rPr lang="en-US" altLang="ko-KR" strike="sngStrike" dirty="0">
+                <a:solidFill>
+                  <a:schemeClr val="accent4"/>
+                </a:solidFill>
+              </a:rPr>
+              <a:t>get()</a:t>
+            </a:r>
+          </a:p>
+          <a:p>
+            <a:pPr marL="285750" indent="-285750">
+              <a:buFont typeface="Arial" panose="020B0604020202020204" pitchFamily="34" charset="0"/>
+              <a:buChar char="•"/>
+            </a:pPr>
+            <a:r>
+              <a:rPr lang="en-US" altLang="ko-KR" strike="sngStrike" dirty="0">
+                <a:solidFill>
+                  <a:schemeClr val="accent4"/>
+                </a:solidFill>
+              </a:rPr>
+              <a:t>remove()</a:t>
+            </a:r>
+          </a:p>
+          <a:p>
+            <a:pPr marL="285750" indent="-285750">
+              <a:buFont typeface="Arial" panose="020B0604020202020204" pitchFamily="34" charset="0"/>
+              <a:buChar char="•"/>
+            </a:pPr>
+            <a:r>
+              <a:rPr lang="en-US" altLang="ko-KR" strike="sngStrike" dirty="0">
+                <a:solidFill>
+                  <a:schemeClr val="accent4"/>
+                </a:solidFill>
+              </a:rPr>
+              <a:t>grow()</a:t>
+            </a:r>
+          </a:p>
+          <a:p>
+            <a:pPr marL="285750" indent="-285750">
+              <a:buFont typeface="Arial" panose="020B0604020202020204" pitchFamily="34" charset="0"/>
+              <a:buChar char="•"/>
+            </a:pPr>
+            <a:r>
+              <a:rPr lang="en-US" altLang="ko-KR" dirty="0" err="1"/>
+              <a:t>nextNo</a:t>
+            </a:r>
+            <a:r>
+              <a:rPr lang="en-US" altLang="ko-KR" dirty="0"/>
+              <a:t>()</a:t>
+            </a:r>
+          </a:p>
+        </p:txBody>
+      </p:sp>
+      <p:sp>
+        <p:nvSpPr>
+          <p:cNvPr id="36" name="직사각형 35">
+            <a:extLst>
+              <a:ext uri="{FF2B5EF4-FFF2-40B4-BE49-F238E27FC236}">
+                <a16:creationId xmlns:a16="http://schemas.microsoft.com/office/drawing/2014/main" id="{29D296C0-54B7-661A-1FE4-70149DD02DD2}"/>
+              </a:ext>
+            </a:extLst>
+          </p:cNvPr>
+          <p:cNvSpPr/>
+          <p:nvPr/>
+        </p:nvSpPr>
+        <p:spPr>
+          <a:xfrm>
+            <a:off x="4142910" y="3759694"/>
+            <a:ext cx="2965141" cy="2894120"/>
+          </a:xfrm>
+          <a:prstGeom prst="rect">
+            <a:avLst/>
+          </a:prstGeom>
+        </p:spPr>
+        <p:style>
+          <a:lnRef idx="2">
+            <a:schemeClr val="accent1">
+              <a:shade val="50000"/>
+            </a:schemeClr>
+          </a:lnRef>
+          <a:fillRef idx="1">
+            <a:schemeClr val="accent1"/>
+          </a:fillRef>
+          <a:effectRef idx="0">
+            <a:schemeClr val="accent1"/>
+          </a:effectRef>
+          <a:fontRef idx="minor">
+            <a:schemeClr val="lt1"/>
+          </a:fontRef>
+        </p:style>
+        <p:txBody>
+          <a:bodyPr rtlCol="0" anchor="t"/>
+          <a:lstStyle/>
+          <a:p>
+            <a:pPr marL="285750" indent="-285750">
+              <a:buFont typeface="Arial" panose="020B0604020202020204" pitchFamily="34" charset="0"/>
+              <a:buChar char="•"/>
+            </a:pPr>
+            <a:r>
+              <a:rPr lang="en-US" altLang="ko-KR" strike="sngStrike" dirty="0" err="1">
+                <a:solidFill>
+                  <a:schemeClr val="accent4"/>
+                </a:solidFill>
+              </a:rPr>
+              <a:t>memberCount</a:t>
+            </a:r>
+            <a:r>
+              <a:rPr lang="en-US" altLang="ko-KR" strike="sngStrike" dirty="0">
+                <a:solidFill>
+                  <a:schemeClr val="accent4"/>
+                </a:solidFill>
+              </a:rPr>
+              <a:t>: int</a:t>
+            </a:r>
+          </a:p>
+          <a:p>
+            <a:pPr marL="285750" indent="-285750">
+              <a:buFont typeface="Arial" panose="020B0604020202020204" pitchFamily="34" charset="0"/>
+              <a:buChar char="•"/>
+            </a:pPr>
+            <a:r>
+              <a:rPr lang="en-US" altLang="ko-KR" strike="sngStrike" dirty="0">
+                <a:solidFill>
+                  <a:schemeClr val="accent4"/>
+                </a:solidFill>
+              </a:rPr>
+              <a:t>members: Member[]</a:t>
+            </a:r>
+          </a:p>
+          <a:p>
+            <a:pPr marL="285750" indent="-285750">
+              <a:buFont typeface="Arial" panose="020B0604020202020204" pitchFamily="34" charset="0"/>
+              <a:buChar char="•"/>
+            </a:pPr>
+            <a:r>
+              <a:rPr lang="en-US" altLang="ko-KR" dirty="0"/>
+              <a:t>no: int</a:t>
+            </a:r>
+          </a:p>
+          <a:p>
+            <a:pPr marL="285750" indent="-285750">
+              <a:buFont typeface="Arial" panose="020B0604020202020204" pitchFamily="34" charset="0"/>
+              <a:buChar char="•"/>
+            </a:pPr>
+            <a:r>
+              <a:rPr lang="en-US" altLang="ko-KR" strike="sngStrike" dirty="0" err="1">
+                <a:solidFill>
+                  <a:schemeClr val="accent4"/>
+                </a:solidFill>
+              </a:rPr>
+              <a:t>toArray</a:t>
+            </a:r>
+            <a:r>
+              <a:rPr lang="en-US" altLang="ko-KR" strike="sngStrike" dirty="0">
+                <a:solidFill>
+                  <a:schemeClr val="accent4"/>
+                </a:solidFill>
+              </a:rPr>
+              <a:t>()</a:t>
+            </a:r>
+          </a:p>
+          <a:p>
+            <a:pPr marL="285750" indent="-285750">
+              <a:buFont typeface="Arial" panose="020B0604020202020204" pitchFamily="34" charset="0"/>
+              <a:buChar char="•"/>
+            </a:pPr>
+            <a:r>
+              <a:rPr lang="en-US" altLang="ko-KR" strike="sngStrike" dirty="0">
+                <a:solidFill>
+                  <a:schemeClr val="accent4"/>
+                </a:solidFill>
+              </a:rPr>
+              <a:t>add()</a:t>
+            </a:r>
+          </a:p>
+          <a:p>
+            <a:pPr marL="285750" indent="-285750">
+              <a:buFont typeface="Arial" panose="020B0604020202020204" pitchFamily="34" charset="0"/>
+              <a:buChar char="•"/>
+            </a:pPr>
+            <a:r>
+              <a:rPr lang="en-US" altLang="ko-KR" strike="sngStrike" dirty="0">
+                <a:solidFill>
+                  <a:schemeClr val="accent4"/>
+                </a:solidFill>
+              </a:rPr>
+              <a:t>get()</a:t>
+            </a:r>
+          </a:p>
+          <a:p>
+            <a:pPr marL="285750" indent="-285750">
+              <a:buFont typeface="Arial" panose="020B0604020202020204" pitchFamily="34" charset="0"/>
+              <a:buChar char="•"/>
+            </a:pPr>
+            <a:r>
+              <a:rPr lang="en-US" altLang="ko-KR" strike="sngStrike" dirty="0">
+                <a:solidFill>
+                  <a:schemeClr val="accent4"/>
+                </a:solidFill>
+              </a:rPr>
+              <a:t>remove()</a:t>
+            </a:r>
+          </a:p>
+          <a:p>
+            <a:pPr marL="285750" indent="-285750">
+              <a:buFont typeface="Arial" panose="020B0604020202020204" pitchFamily="34" charset="0"/>
+              <a:buChar char="•"/>
+            </a:pPr>
+            <a:r>
+              <a:rPr lang="en-US" altLang="ko-KR" strike="sngStrike" dirty="0">
+                <a:solidFill>
+                  <a:schemeClr val="accent4"/>
+                </a:solidFill>
+              </a:rPr>
+              <a:t>grow()</a:t>
+            </a:r>
+          </a:p>
+          <a:p>
+            <a:pPr marL="285750" indent="-285750">
+              <a:buFont typeface="Arial" panose="020B0604020202020204" pitchFamily="34" charset="0"/>
+              <a:buChar char="•"/>
+            </a:pPr>
+            <a:r>
+              <a:rPr lang="en-US" altLang="ko-KR" dirty="0" err="1"/>
+              <a:t>nextNo</a:t>
+            </a:r>
+            <a:r>
+              <a:rPr lang="en-US" altLang="ko-KR" dirty="0"/>
+              <a:t>()</a:t>
+            </a:r>
+          </a:p>
+        </p:txBody>
+      </p:sp>
+      <p:sp>
+        <p:nvSpPr>
+          <p:cNvPr id="6" name="직사각형 5">
+            <a:extLst>
+              <a:ext uri="{FF2B5EF4-FFF2-40B4-BE49-F238E27FC236}">
+                <a16:creationId xmlns:a16="http://schemas.microsoft.com/office/drawing/2014/main" id="{7A1BE771-E2AA-5A2F-B33F-3F46F66D6FFF}"/>
+              </a:ext>
+            </a:extLst>
+          </p:cNvPr>
+          <p:cNvSpPr/>
+          <p:nvPr/>
+        </p:nvSpPr>
+        <p:spPr>
+          <a:xfrm>
+            <a:off x="310719" y="72872"/>
+            <a:ext cx="1216241" cy="266330"/>
+          </a:xfrm>
+          <a:prstGeom prst="rect">
+            <a:avLst/>
+          </a:prstGeom>
+        </p:spPr>
+        <p:style>
+          <a:lnRef idx="1">
+            <a:schemeClr val="accent3"/>
+          </a:lnRef>
+          <a:fillRef idx="2">
+            <a:schemeClr val="accent3"/>
+          </a:fillRef>
+          <a:effectRef idx="1">
+            <a:schemeClr val="accent3"/>
+          </a:effectRef>
+          <a:fontRef idx="minor">
+            <a:schemeClr val="dk1"/>
+          </a:fontRef>
+        </p:style>
+        <p:txBody>
+          <a:bodyPr rtlCol="0" anchor="ctr"/>
+          <a:lstStyle/>
+          <a:p>
+            <a:pPr algn="ctr"/>
+            <a:r>
+              <a:rPr lang="en-US" altLang="ko-KR" dirty="0" err="1"/>
+              <a:t>ObjectList</a:t>
+            </a:r>
+            <a:endParaRPr lang="ko-KR" altLang="en-US" dirty="0"/>
+          </a:p>
+        </p:txBody>
+      </p:sp>
+      <p:sp>
+        <p:nvSpPr>
+          <p:cNvPr id="7" name="직사각형 6">
+            <a:extLst>
+              <a:ext uri="{FF2B5EF4-FFF2-40B4-BE49-F238E27FC236}">
+                <a16:creationId xmlns:a16="http://schemas.microsoft.com/office/drawing/2014/main" id="{84CC0D21-417F-B5EC-224F-717EE3E7DC27}"/>
+              </a:ext>
+            </a:extLst>
+          </p:cNvPr>
+          <p:cNvSpPr/>
+          <p:nvPr/>
+        </p:nvSpPr>
+        <p:spPr>
+          <a:xfrm>
+            <a:off x="310719" y="339202"/>
+            <a:ext cx="2965141" cy="2066647"/>
+          </a:xfrm>
+          <a:prstGeom prst="rect">
+            <a:avLst/>
+          </a:prstGeom>
+        </p:spPr>
+        <p:style>
+          <a:lnRef idx="2">
+            <a:schemeClr val="dk1">
+              <a:shade val="50000"/>
+            </a:schemeClr>
+          </a:lnRef>
+          <a:fillRef idx="1">
+            <a:schemeClr val="dk1"/>
+          </a:fillRef>
+          <a:effectRef idx="0">
+            <a:schemeClr val="dk1"/>
+          </a:effectRef>
+          <a:fontRef idx="minor">
+            <a:schemeClr val="lt1"/>
+          </a:fontRef>
+        </p:style>
+        <p:txBody>
+          <a:bodyPr rtlCol="0" anchor="t"/>
+          <a:lstStyle/>
+          <a:p>
+            <a:pPr marL="285750" indent="-285750">
+              <a:buFont typeface="Arial" panose="020B0604020202020204" pitchFamily="34" charset="0"/>
+              <a:buChar char="•"/>
+            </a:pPr>
+            <a:r>
+              <a:rPr lang="en-US" altLang="ko-KR" dirty="0"/>
+              <a:t>Length(): int</a:t>
+            </a:r>
+          </a:p>
+          <a:p>
+            <a:pPr marL="285750" indent="-285750">
+              <a:buFont typeface="Arial" panose="020B0604020202020204" pitchFamily="34" charset="0"/>
+              <a:buChar char="•"/>
+            </a:pPr>
+            <a:r>
+              <a:rPr lang="en-US" altLang="ko-KR" dirty="0"/>
+              <a:t>List: Object[]</a:t>
+            </a:r>
+          </a:p>
+          <a:p>
+            <a:pPr marL="285750" indent="-285750">
+              <a:buFont typeface="Arial" panose="020B0604020202020204" pitchFamily="34" charset="0"/>
+              <a:buChar char="•"/>
+            </a:pPr>
+            <a:r>
+              <a:rPr lang="en-US" altLang="ko-KR" dirty="0" err="1"/>
+              <a:t>toArray</a:t>
+            </a:r>
+            <a:r>
+              <a:rPr lang="en-US" altLang="ko-KR" dirty="0"/>
+              <a:t>()</a:t>
+            </a:r>
+          </a:p>
+          <a:p>
+            <a:pPr marL="285750" indent="-285750">
+              <a:buFont typeface="Arial" panose="020B0604020202020204" pitchFamily="34" charset="0"/>
+              <a:buChar char="•"/>
+            </a:pPr>
+            <a:r>
+              <a:rPr lang="en-US" altLang="ko-KR" dirty="0"/>
+              <a:t>remove()</a:t>
+            </a:r>
+          </a:p>
+          <a:p>
+            <a:pPr marL="285750" indent="-285750">
+              <a:buFont typeface="Arial" panose="020B0604020202020204" pitchFamily="34" charset="0"/>
+              <a:buChar char="•"/>
+            </a:pPr>
+            <a:r>
+              <a:rPr lang="en-US" altLang="ko-KR" dirty="0"/>
+              <a:t>grow()</a:t>
+            </a:r>
+          </a:p>
+          <a:p>
+            <a:pPr marL="285750" indent="-285750">
+              <a:buFont typeface="Arial" panose="020B0604020202020204" pitchFamily="34" charset="0"/>
+              <a:buChar char="•"/>
+            </a:pPr>
+            <a:r>
+              <a:rPr lang="en-US" altLang="ko-KR" dirty="0"/>
+              <a:t>add()</a:t>
+            </a:r>
+          </a:p>
+          <a:p>
+            <a:pPr marL="285750" indent="-285750">
+              <a:buFont typeface="Arial" panose="020B0604020202020204" pitchFamily="34" charset="0"/>
+              <a:buChar char="•"/>
+            </a:pPr>
+            <a:r>
+              <a:rPr lang="en-US" altLang="ko-KR" dirty="0"/>
+              <a:t>get()</a:t>
+            </a:r>
+          </a:p>
+        </p:txBody>
+      </p:sp>
+      <p:cxnSp>
+        <p:nvCxnSpPr>
+          <p:cNvPr id="4" name="직선 화살표 연결선 3">
+            <a:extLst>
+              <a:ext uri="{FF2B5EF4-FFF2-40B4-BE49-F238E27FC236}">
+                <a16:creationId xmlns:a16="http://schemas.microsoft.com/office/drawing/2014/main" id="{ECCE2DA6-B912-0200-4234-7F208E9AF86C}"/>
+              </a:ext>
+            </a:extLst>
+          </p:cNvPr>
+          <p:cNvCxnSpPr>
+            <a:stCxn id="33" idx="0"/>
+            <a:endCxn id="7" idx="2"/>
+          </p:cNvCxnSpPr>
+          <p:nvPr/>
+        </p:nvCxnSpPr>
+        <p:spPr>
+          <a:xfrm flipV="1">
+            <a:off x="918840" y="2405849"/>
+            <a:ext cx="874450" cy="1087515"/>
+          </a:xfrm>
+          <a:prstGeom prst="straightConnector1">
+            <a:avLst/>
+          </a:prstGeom>
+          <a:ln>
+            <a:tailEnd type="triangle"/>
+          </a:ln>
+        </p:spPr>
+        <p:style>
+          <a:lnRef idx="3">
+            <a:schemeClr val="accent4"/>
+          </a:lnRef>
+          <a:fillRef idx="0">
+            <a:schemeClr val="accent4"/>
+          </a:fillRef>
+          <a:effectRef idx="2">
+            <a:schemeClr val="accent4"/>
+          </a:effectRef>
+          <a:fontRef idx="minor">
+            <a:schemeClr val="tx1"/>
+          </a:fontRef>
+        </p:style>
+      </p:cxnSp>
+      <p:cxnSp>
+        <p:nvCxnSpPr>
+          <p:cNvPr id="10" name="직선 화살표 연결선 9">
+            <a:extLst>
+              <a:ext uri="{FF2B5EF4-FFF2-40B4-BE49-F238E27FC236}">
+                <a16:creationId xmlns:a16="http://schemas.microsoft.com/office/drawing/2014/main" id="{E754765F-23C1-794A-16D6-7F5115FE42A2}"/>
+              </a:ext>
+            </a:extLst>
+          </p:cNvPr>
+          <p:cNvCxnSpPr>
+            <a:cxnSpLocks/>
+            <a:stCxn id="34" idx="0"/>
+            <a:endCxn id="7" idx="2"/>
+          </p:cNvCxnSpPr>
+          <p:nvPr/>
+        </p:nvCxnSpPr>
+        <p:spPr>
+          <a:xfrm flipH="1" flipV="1">
+            <a:off x="1793290" y="2405849"/>
+            <a:ext cx="3320986" cy="1087515"/>
+          </a:xfrm>
+          <a:prstGeom prst="straightConnector1">
+            <a:avLst/>
+          </a:prstGeom>
+          <a:ln>
+            <a:tailEnd type="triangle"/>
+          </a:ln>
+        </p:spPr>
+        <p:style>
+          <a:lnRef idx="3">
+            <a:schemeClr val="accent4"/>
+          </a:lnRef>
+          <a:fillRef idx="0">
+            <a:schemeClr val="accent4"/>
+          </a:fillRef>
+          <a:effectRef idx="2">
+            <a:schemeClr val="accent4"/>
+          </a:effectRef>
+          <a:fontRef idx="minor">
+            <a:schemeClr val="tx1"/>
+          </a:fontRef>
+        </p:style>
+      </p:cxnSp>
+      <p:sp>
+        <p:nvSpPr>
+          <p:cNvPr id="14" name="TextBox 13">
+            <a:extLst>
+              <a:ext uri="{FF2B5EF4-FFF2-40B4-BE49-F238E27FC236}">
+                <a16:creationId xmlns:a16="http://schemas.microsoft.com/office/drawing/2014/main" id="{7C47E77C-527A-F83A-C21F-6E0D2FD057FB}"/>
+              </a:ext>
+            </a:extLst>
+          </p:cNvPr>
+          <p:cNvSpPr txBox="1"/>
+          <p:nvPr/>
+        </p:nvSpPr>
+        <p:spPr>
+          <a:xfrm>
+            <a:off x="3754959" y="2580274"/>
+            <a:ext cx="2718632" cy="369332"/>
+          </a:xfrm>
+          <a:prstGeom prst="rect">
+            <a:avLst/>
+          </a:prstGeom>
+        </p:spPr>
+        <p:style>
+          <a:lnRef idx="2">
+            <a:schemeClr val="accent4"/>
+          </a:lnRef>
+          <a:fillRef idx="1">
+            <a:schemeClr val="lt1"/>
+          </a:fillRef>
+          <a:effectRef idx="0">
+            <a:schemeClr val="accent4"/>
+          </a:effectRef>
+          <a:fontRef idx="minor">
+            <a:schemeClr val="dk1"/>
+          </a:fontRef>
+        </p:style>
+        <p:txBody>
+          <a:bodyPr wrap="square" rtlCol="0">
+            <a:spAutoFit/>
+          </a:bodyPr>
+          <a:lstStyle/>
+          <a:p>
+            <a:r>
+              <a:rPr lang="ko-KR" altLang="en-US" dirty="0"/>
+              <a:t>일반화</a:t>
+            </a:r>
+            <a:r>
+              <a:rPr lang="en-US" altLang="ko-KR" dirty="0"/>
+              <a:t>(</a:t>
+            </a:r>
+            <a:r>
+              <a:rPr lang="en-US" altLang="ko-KR" dirty="0" err="1"/>
+              <a:t>gerneralization</a:t>
+            </a:r>
+            <a:r>
+              <a:rPr lang="en-US" altLang="ko-KR" dirty="0"/>
+              <a:t>)</a:t>
+            </a:r>
+            <a:endParaRPr lang="ko-KR" altLang="en-US" dirty="0"/>
+          </a:p>
+        </p:txBody>
+      </p:sp>
+    </p:spTree>
+    <p:extLst>
+      <p:ext uri="{BB962C8B-B14F-4D97-AF65-F5344CB8AC3E}">
+        <p14:creationId xmlns:p14="http://schemas.microsoft.com/office/powerpoint/2010/main" val="1083365731"/>
+      </p:ext>
+    </p:extLst>
+  </p:cSld>
+  <p:clrMapOvr>
+    <a:masterClrMapping/>
+  </p:clrMapOvr>
+</p:sld>
+</file>
+
+<file path=ppt/slides/slide7.xml><?xml version="1.0" encoding="utf-8"?>
+<p:sld xmlns:a="http://schemas.openxmlformats.org/drawingml/2006/main" xmlns:r="http://schemas.openxmlformats.org/officeDocument/2006/relationships" xmlns:p="http://schemas.openxmlformats.org/presentationml/2006/main">
+  <p:cSld>
+    <p:spTree>
+      <p:nvGrpSpPr>
+        <p:cNvPr id="1" name=""/>
+        <p:cNvGrpSpPr/>
+        <p:nvPr/>
+      </p:nvGrpSpPr>
+      <p:grpSpPr>
+        <a:xfrm>
+          <a:off x="0" y="0"/>
+          <a:ext cx="0" cy="0"/>
+          <a:chOff x="0" y="0"/>
+          <a:chExt cx="0" cy="0"/>
+        </a:xfrm>
+      </p:grpSpPr>
+      <p:sp>
+        <p:nvSpPr>
+          <p:cNvPr id="4" name="직사각형 3">
+            <a:extLst>
+              <a:ext uri="{FF2B5EF4-FFF2-40B4-BE49-F238E27FC236}">
+                <a16:creationId xmlns:a16="http://schemas.microsoft.com/office/drawing/2014/main" id="{63168D59-CC4B-9463-F517-319B5FCA266B}"/>
+              </a:ext>
+            </a:extLst>
+          </p:cNvPr>
+          <p:cNvSpPr/>
+          <p:nvPr/>
+        </p:nvSpPr>
+        <p:spPr>
+          <a:xfrm>
+            <a:off x="914400" y="1126671"/>
+            <a:ext cx="1681843" cy="1338943"/>
+          </a:xfrm>
+          <a:prstGeom prst="rect">
+            <a:avLst/>
+          </a:prstGeom>
+        </p:spPr>
+        <p:style>
+          <a:lnRef idx="2">
+            <a:schemeClr val="accent1">
+              <a:shade val="50000"/>
+            </a:schemeClr>
+          </a:lnRef>
+          <a:fillRef idx="1">
+            <a:schemeClr val="accent1"/>
+          </a:fillRef>
+          <a:effectRef idx="0">
+            <a:schemeClr val="accent1"/>
+          </a:effectRef>
+          <a:fontRef idx="minor">
+            <a:schemeClr val="lt1"/>
+          </a:fontRef>
+        </p:style>
+        <p:txBody>
+          <a:bodyPr rtlCol="0" anchor="ctr"/>
+          <a:lstStyle/>
+          <a:p>
+            <a:pPr algn="ctr"/>
+            <a:r>
+              <a:rPr lang="en-US" altLang="ko-KR" dirty="0"/>
+              <a:t>Object</a:t>
+            </a:r>
+          </a:p>
+          <a:p>
+            <a:pPr algn="ctr"/>
+            <a:r>
+              <a:rPr lang="en-US" altLang="ko-KR" dirty="0"/>
+              <a:t>(class)</a:t>
+            </a:r>
+            <a:endParaRPr lang="ko-KR" altLang="en-US" dirty="0"/>
+          </a:p>
+        </p:txBody>
+      </p:sp>
+      <p:sp>
+        <p:nvSpPr>
+          <p:cNvPr id="5" name="직사각형 4">
+            <a:extLst>
+              <a:ext uri="{FF2B5EF4-FFF2-40B4-BE49-F238E27FC236}">
+                <a16:creationId xmlns:a16="http://schemas.microsoft.com/office/drawing/2014/main" id="{B462572F-B613-4C09-88D6-10126B745312}"/>
+              </a:ext>
+            </a:extLst>
+          </p:cNvPr>
+          <p:cNvSpPr/>
+          <p:nvPr/>
+        </p:nvSpPr>
+        <p:spPr>
+          <a:xfrm>
+            <a:off x="914399" y="4011913"/>
+            <a:ext cx="1681843" cy="1338943"/>
+          </a:xfrm>
+          <a:prstGeom prst="rect">
+            <a:avLst/>
+          </a:prstGeom>
+        </p:spPr>
+        <p:style>
+          <a:lnRef idx="2">
+            <a:schemeClr val="accent1">
+              <a:shade val="50000"/>
+            </a:schemeClr>
+          </a:lnRef>
+          <a:fillRef idx="1">
+            <a:schemeClr val="accent1"/>
+          </a:fillRef>
+          <a:effectRef idx="0">
+            <a:schemeClr val="accent1"/>
+          </a:effectRef>
+          <a:fontRef idx="minor">
+            <a:schemeClr val="lt1"/>
+          </a:fontRef>
+        </p:style>
+        <p:txBody>
+          <a:bodyPr rtlCol="0" anchor="ctr"/>
+          <a:lstStyle/>
+          <a:p>
+            <a:pPr algn="ctr"/>
+            <a:r>
+              <a:rPr lang="en-US" altLang="ko-KR" dirty="0"/>
+              <a:t>String</a:t>
+            </a:r>
+            <a:endParaRPr lang="ko-KR" altLang="en-US" dirty="0"/>
+          </a:p>
+        </p:txBody>
+      </p:sp>
+      <p:cxnSp>
+        <p:nvCxnSpPr>
+          <p:cNvPr id="9" name="직선 화살표 연결선 8">
+            <a:extLst>
+              <a:ext uri="{FF2B5EF4-FFF2-40B4-BE49-F238E27FC236}">
+                <a16:creationId xmlns:a16="http://schemas.microsoft.com/office/drawing/2014/main" id="{1C64AF71-767B-373C-3B0E-031DC85597A8}"/>
+              </a:ext>
+            </a:extLst>
+          </p:cNvPr>
+          <p:cNvCxnSpPr>
+            <a:cxnSpLocks/>
+            <a:stCxn id="5" idx="0"/>
+            <a:endCxn id="4" idx="2"/>
+          </p:cNvCxnSpPr>
+          <p:nvPr/>
+        </p:nvCxnSpPr>
+        <p:spPr>
+          <a:xfrm flipV="1">
+            <a:off x="1755321" y="2465614"/>
+            <a:ext cx="1" cy="1546299"/>
+          </a:xfrm>
+          <a:prstGeom prst="straightConnector1">
+            <a:avLst/>
+          </a:prstGeom>
+          <a:ln>
+            <a:tailEnd type="triangle"/>
+          </a:ln>
+        </p:spPr>
+        <p:style>
+          <a:lnRef idx="3">
+            <a:schemeClr val="accent1"/>
+          </a:lnRef>
+          <a:fillRef idx="0">
+            <a:schemeClr val="accent1"/>
+          </a:fillRef>
+          <a:effectRef idx="2">
+            <a:schemeClr val="accent1"/>
+          </a:effectRef>
+          <a:fontRef idx="minor">
+            <a:schemeClr val="tx1"/>
+          </a:fontRef>
+        </p:style>
+      </p:cxnSp>
+      <p:sp>
+        <p:nvSpPr>
+          <p:cNvPr id="12" name="TextBox 11">
+            <a:extLst>
+              <a:ext uri="{FF2B5EF4-FFF2-40B4-BE49-F238E27FC236}">
+                <a16:creationId xmlns:a16="http://schemas.microsoft.com/office/drawing/2014/main" id="{491C872C-FD38-5F0A-D982-63C461CAC1AF}"/>
+              </a:ext>
+            </a:extLst>
+          </p:cNvPr>
+          <p:cNvSpPr txBox="1"/>
+          <p:nvPr/>
+        </p:nvSpPr>
+        <p:spPr>
+          <a:xfrm>
+            <a:off x="2036949" y="2777098"/>
+            <a:ext cx="6272550" cy="923330"/>
+          </a:xfrm>
+          <a:prstGeom prst="rect">
+            <a:avLst/>
+          </a:prstGeom>
+        </p:spPr>
+        <p:style>
+          <a:lnRef idx="2">
+            <a:schemeClr val="accent1"/>
+          </a:lnRef>
+          <a:fillRef idx="1">
+            <a:schemeClr val="lt1"/>
+          </a:fillRef>
+          <a:effectRef idx="0">
+            <a:schemeClr val="accent1"/>
+          </a:effectRef>
+          <a:fontRef idx="minor">
+            <a:schemeClr val="dk1"/>
+          </a:fontRef>
+        </p:style>
+        <p:txBody>
+          <a:bodyPr wrap="square" rtlCol="0">
+            <a:spAutoFit/>
+          </a:bodyPr>
+          <a:lstStyle/>
+          <a:p>
+            <a:r>
+              <a:rPr lang="ko-KR" altLang="en-US" dirty="0"/>
+              <a:t>기능상속</a:t>
+            </a:r>
+            <a:endParaRPr lang="en-US" altLang="ko-KR" dirty="0"/>
+          </a:p>
+          <a:p>
+            <a:pPr marL="285750" indent="-285750">
+              <a:buFont typeface="Wingdings" panose="05000000000000000000" pitchFamily="2" charset="2"/>
+              <a:buChar char="à"/>
+            </a:pPr>
+            <a:r>
+              <a:rPr lang="en-US" altLang="ko-KR" dirty="0">
+                <a:sym typeface="Wingdings" panose="05000000000000000000" pitchFamily="2" charset="2"/>
+              </a:rPr>
+              <a:t>String</a:t>
+            </a:r>
+            <a:r>
+              <a:rPr lang="ko-KR" altLang="en-US" dirty="0">
+                <a:sym typeface="Wingdings" panose="05000000000000000000" pitchFamily="2" charset="2"/>
+              </a:rPr>
+              <a:t>이 </a:t>
+            </a:r>
+            <a:r>
+              <a:rPr lang="en-US" altLang="ko-KR" dirty="0">
+                <a:solidFill>
+                  <a:schemeClr val="accent1"/>
+                </a:solidFill>
+                <a:sym typeface="Wingdings" panose="05000000000000000000" pitchFamily="2" charset="2"/>
+              </a:rPr>
+              <a:t>Object</a:t>
+            </a:r>
+            <a:r>
+              <a:rPr lang="ko-KR" altLang="en-US" dirty="0">
+                <a:solidFill>
+                  <a:schemeClr val="accent1"/>
+                </a:solidFill>
+                <a:sym typeface="Wingdings" panose="05000000000000000000" pitchFamily="2" charset="2"/>
+              </a:rPr>
+              <a:t>를</a:t>
+            </a:r>
+            <a:r>
+              <a:rPr lang="ko-KR" altLang="en-US" dirty="0">
+                <a:sym typeface="Wingdings" panose="05000000000000000000" pitchFamily="2" charset="2"/>
+              </a:rPr>
+              <a:t> 상속 받는다</a:t>
+            </a:r>
+            <a:r>
+              <a:rPr lang="en-US" altLang="ko-KR" dirty="0">
+                <a:sym typeface="Wingdings" panose="05000000000000000000" pitchFamily="2" charset="2"/>
+              </a:rPr>
+              <a:t>.</a:t>
+            </a:r>
+          </a:p>
+          <a:p>
+            <a:pPr marL="285750" indent="-285750">
+              <a:buFont typeface="Wingdings" panose="05000000000000000000" pitchFamily="2" charset="2"/>
+              <a:buChar char="à"/>
+            </a:pPr>
+            <a:r>
+              <a:rPr lang="ko-KR" altLang="en-US" dirty="0">
+                <a:solidFill>
+                  <a:schemeClr val="accent1"/>
+                </a:solidFill>
+                <a:sym typeface="Wingdings" panose="05000000000000000000" pitchFamily="2" charset="2"/>
+              </a:rPr>
+              <a:t>목적어 방향으로 </a:t>
+            </a:r>
+            <a:r>
+              <a:rPr lang="ko-KR" altLang="en-US" dirty="0">
+                <a:sym typeface="Wingdings" panose="05000000000000000000" pitchFamily="2" charset="2"/>
+              </a:rPr>
+              <a:t>화살표가 향하면 된다</a:t>
+            </a:r>
+            <a:r>
+              <a:rPr lang="en-US" altLang="ko-KR" dirty="0">
+                <a:sym typeface="Wingdings" panose="05000000000000000000" pitchFamily="2" charset="2"/>
+              </a:rPr>
+              <a:t>.</a:t>
+            </a:r>
+            <a:endParaRPr lang="ko-KR" altLang="en-US" dirty="0"/>
+          </a:p>
+        </p:txBody>
+      </p:sp>
+      <p:sp>
+        <p:nvSpPr>
+          <p:cNvPr id="26" name="TextBox 25">
+            <a:extLst>
+              <a:ext uri="{FF2B5EF4-FFF2-40B4-BE49-F238E27FC236}">
+                <a16:creationId xmlns:a16="http://schemas.microsoft.com/office/drawing/2014/main" id="{7EFB7A8F-FFCB-C463-F24C-5498F8F61608}"/>
+              </a:ext>
+            </a:extLst>
+          </p:cNvPr>
+          <p:cNvSpPr txBox="1"/>
+          <p:nvPr/>
+        </p:nvSpPr>
+        <p:spPr>
+          <a:xfrm>
+            <a:off x="2928916" y="1611476"/>
+            <a:ext cx="3407229" cy="369332"/>
+          </a:xfrm>
+          <a:prstGeom prst="rect">
+            <a:avLst/>
+          </a:prstGeom>
+        </p:spPr>
+        <p:style>
+          <a:lnRef idx="2">
+            <a:schemeClr val="accent4"/>
+          </a:lnRef>
+          <a:fillRef idx="1">
+            <a:schemeClr val="lt1"/>
+          </a:fillRef>
+          <a:effectRef idx="0">
+            <a:schemeClr val="accent4"/>
+          </a:effectRef>
+          <a:fontRef idx="minor">
+            <a:schemeClr val="dk1"/>
+          </a:fontRef>
+        </p:style>
+        <p:txBody>
+          <a:bodyPr wrap="square" rtlCol="0">
+            <a:spAutoFit/>
+          </a:bodyPr>
+          <a:lstStyle/>
+          <a:p>
+            <a:pPr algn="ctr"/>
+            <a:r>
+              <a:rPr lang="en-US" altLang="ko-KR" dirty="0"/>
+              <a:t>SUPER CLASS</a:t>
+            </a:r>
+            <a:endParaRPr lang="ko-KR" altLang="en-US" dirty="0"/>
+          </a:p>
+        </p:txBody>
+      </p:sp>
+      <p:cxnSp>
+        <p:nvCxnSpPr>
+          <p:cNvPr id="28" name="직선 화살표 연결선 27">
+            <a:extLst>
+              <a:ext uri="{FF2B5EF4-FFF2-40B4-BE49-F238E27FC236}">
+                <a16:creationId xmlns:a16="http://schemas.microsoft.com/office/drawing/2014/main" id="{54B042E9-31FD-52E4-40D8-3273D547435C}"/>
+              </a:ext>
+            </a:extLst>
+          </p:cNvPr>
+          <p:cNvCxnSpPr>
+            <a:cxnSpLocks/>
+            <a:stCxn id="4" idx="3"/>
+            <a:endCxn id="26" idx="1"/>
+          </p:cNvCxnSpPr>
+          <p:nvPr/>
+        </p:nvCxnSpPr>
+        <p:spPr>
+          <a:xfrm flipV="1">
+            <a:off x="2596243" y="1796142"/>
+            <a:ext cx="332673" cy="1"/>
+          </a:xfrm>
+          <a:prstGeom prst="straightConnector1">
+            <a:avLst/>
+          </a:prstGeom>
+          <a:ln>
+            <a:tailEnd type="triangle"/>
+          </a:ln>
+        </p:spPr>
+        <p:style>
+          <a:lnRef idx="3">
+            <a:schemeClr val="accent4"/>
+          </a:lnRef>
+          <a:fillRef idx="0">
+            <a:schemeClr val="accent4"/>
+          </a:fillRef>
+          <a:effectRef idx="2">
+            <a:schemeClr val="accent4"/>
+          </a:effectRef>
+          <a:fontRef idx="minor">
+            <a:schemeClr val="tx1"/>
+          </a:fontRef>
+        </p:style>
+      </p:cxnSp>
+      <p:sp>
+        <p:nvSpPr>
+          <p:cNvPr id="33" name="TextBox 32">
+            <a:extLst>
+              <a:ext uri="{FF2B5EF4-FFF2-40B4-BE49-F238E27FC236}">
+                <a16:creationId xmlns:a16="http://schemas.microsoft.com/office/drawing/2014/main" id="{2F3900EF-F713-34B0-371C-D16BF3B1B1D6}"/>
+              </a:ext>
+            </a:extLst>
+          </p:cNvPr>
+          <p:cNvSpPr txBox="1"/>
+          <p:nvPr/>
+        </p:nvSpPr>
+        <p:spPr>
+          <a:xfrm>
+            <a:off x="3054684" y="4496718"/>
+            <a:ext cx="3407229" cy="369332"/>
+          </a:xfrm>
+          <a:prstGeom prst="rect">
+            <a:avLst/>
+          </a:prstGeom>
+        </p:spPr>
+        <p:style>
+          <a:lnRef idx="2">
+            <a:schemeClr val="accent4"/>
+          </a:lnRef>
+          <a:fillRef idx="1">
+            <a:schemeClr val="lt1"/>
+          </a:fillRef>
+          <a:effectRef idx="0">
+            <a:schemeClr val="accent4"/>
+          </a:effectRef>
+          <a:fontRef idx="minor">
+            <a:schemeClr val="dk1"/>
+          </a:fontRef>
+        </p:style>
+        <p:txBody>
+          <a:bodyPr wrap="square" rtlCol="0">
+            <a:spAutoFit/>
+          </a:bodyPr>
+          <a:lstStyle/>
+          <a:p>
+            <a:pPr algn="ctr"/>
+            <a:r>
+              <a:rPr lang="en-US" altLang="ko-KR" dirty="0"/>
+              <a:t>SUB CLASS</a:t>
+            </a:r>
+            <a:endParaRPr lang="ko-KR" altLang="en-US" dirty="0"/>
+          </a:p>
+        </p:txBody>
+      </p:sp>
+      <p:cxnSp>
+        <p:nvCxnSpPr>
+          <p:cNvPr id="34" name="직선 화살표 연결선 33">
+            <a:extLst>
+              <a:ext uri="{FF2B5EF4-FFF2-40B4-BE49-F238E27FC236}">
+                <a16:creationId xmlns:a16="http://schemas.microsoft.com/office/drawing/2014/main" id="{341F19AF-5CA5-7ADD-CEBC-6F1E2649437A}"/>
+              </a:ext>
+            </a:extLst>
+          </p:cNvPr>
+          <p:cNvCxnSpPr>
+            <a:cxnSpLocks/>
+            <a:stCxn id="5" idx="3"/>
+            <a:endCxn id="33" idx="1"/>
+          </p:cNvCxnSpPr>
+          <p:nvPr/>
+        </p:nvCxnSpPr>
+        <p:spPr>
+          <a:xfrm flipV="1">
+            <a:off x="2596242" y="4681384"/>
+            <a:ext cx="458442" cy="1"/>
+          </a:xfrm>
+          <a:prstGeom prst="straightConnector1">
+            <a:avLst/>
+          </a:prstGeom>
+          <a:ln>
+            <a:tailEnd type="triangle"/>
+          </a:ln>
+        </p:spPr>
+        <p:style>
+          <a:lnRef idx="3">
+            <a:schemeClr val="accent4"/>
+          </a:lnRef>
+          <a:fillRef idx="0">
+            <a:schemeClr val="accent4"/>
+          </a:fillRef>
+          <a:effectRef idx="2">
+            <a:schemeClr val="accent4"/>
+          </a:effectRef>
+          <a:fontRef idx="minor">
+            <a:schemeClr val="tx1"/>
+          </a:fontRef>
+        </p:style>
+      </p:cxnSp>
+      <p:sp>
+        <p:nvSpPr>
+          <p:cNvPr id="30" name="TextBox 29">
+            <a:extLst>
+              <a:ext uri="{FF2B5EF4-FFF2-40B4-BE49-F238E27FC236}">
+                <a16:creationId xmlns:a16="http://schemas.microsoft.com/office/drawing/2014/main" id="{EAD50233-1443-8EC6-E24F-123A4462A5A4}"/>
+              </a:ext>
+            </a:extLst>
+          </p:cNvPr>
+          <p:cNvSpPr txBox="1"/>
+          <p:nvPr/>
+        </p:nvSpPr>
+        <p:spPr>
+          <a:xfrm>
+            <a:off x="3054684" y="461639"/>
+            <a:ext cx="5254816" cy="338554"/>
+          </a:xfrm>
+          <a:prstGeom prst="rect">
+            <a:avLst/>
+          </a:prstGeom>
+        </p:spPr>
+        <p:style>
+          <a:lnRef idx="2">
+            <a:schemeClr val="dk1"/>
+          </a:lnRef>
+          <a:fillRef idx="1">
+            <a:schemeClr val="lt1"/>
+          </a:fillRef>
+          <a:effectRef idx="0">
+            <a:schemeClr val="dk1"/>
+          </a:effectRef>
+          <a:fontRef idx="minor">
+            <a:schemeClr val="dk1"/>
+          </a:fontRef>
+        </p:style>
+        <p:txBody>
+          <a:bodyPr wrap="square" rtlCol="0">
+            <a:spAutoFit/>
+          </a:bodyPr>
+          <a:lstStyle/>
+          <a:p>
+            <a:r>
+              <a:rPr lang="ko-KR" altLang="en-US" sz="1600"/>
+              <a:t>모든 클래스가 기본으로 가져야 할 필드와 메서드 정의</a:t>
+            </a:r>
+          </a:p>
+        </p:txBody>
+      </p:sp>
+      <p:cxnSp>
+        <p:nvCxnSpPr>
+          <p:cNvPr id="35" name="직선 화살표 연결선 34">
+            <a:extLst>
+              <a:ext uri="{FF2B5EF4-FFF2-40B4-BE49-F238E27FC236}">
+                <a16:creationId xmlns:a16="http://schemas.microsoft.com/office/drawing/2014/main" id="{281FE3E0-1494-745E-804B-7DC604817CA0}"/>
+              </a:ext>
+            </a:extLst>
+          </p:cNvPr>
+          <p:cNvCxnSpPr>
+            <a:cxnSpLocks/>
+            <a:stCxn id="4" idx="0"/>
+            <a:endCxn id="30" idx="1"/>
+          </p:cNvCxnSpPr>
+          <p:nvPr/>
+        </p:nvCxnSpPr>
+        <p:spPr>
+          <a:xfrm flipV="1">
+            <a:off x="1755322" y="630916"/>
+            <a:ext cx="1299362" cy="495755"/>
+          </a:xfrm>
+          <a:prstGeom prst="straightConnector1">
+            <a:avLst/>
+          </a:prstGeom>
+          <a:ln>
+            <a:tailEnd type="triangle"/>
+          </a:ln>
+        </p:spPr>
+        <p:style>
+          <a:lnRef idx="3">
+            <a:schemeClr val="dk1"/>
+          </a:lnRef>
+          <a:fillRef idx="0">
+            <a:schemeClr val="dk1"/>
+          </a:fillRef>
+          <a:effectRef idx="2">
+            <a:schemeClr val="dk1"/>
+          </a:effectRef>
+          <a:fontRef idx="minor">
+            <a:schemeClr val="tx1"/>
+          </a:fontRef>
+        </p:style>
+      </p:cxnSp>
+      <p:sp>
+        <p:nvSpPr>
+          <p:cNvPr id="43" name="TextBox 42">
+            <a:extLst>
+              <a:ext uri="{FF2B5EF4-FFF2-40B4-BE49-F238E27FC236}">
+                <a16:creationId xmlns:a16="http://schemas.microsoft.com/office/drawing/2014/main" id="{69ABE9AA-C38B-A114-E9BF-7E951B633124}"/>
+              </a:ext>
+            </a:extLst>
+          </p:cNvPr>
+          <p:cNvSpPr txBox="1"/>
+          <p:nvPr/>
+        </p:nvSpPr>
+        <p:spPr>
+          <a:xfrm>
+            <a:off x="3313615" y="5657679"/>
+            <a:ext cx="3407229" cy="338554"/>
+          </a:xfrm>
+          <a:prstGeom prst="rect">
+            <a:avLst/>
+          </a:prstGeom>
+        </p:spPr>
+        <p:style>
+          <a:lnRef idx="2">
+            <a:schemeClr val="dk1"/>
+          </a:lnRef>
+          <a:fillRef idx="1">
+            <a:schemeClr val="lt1"/>
+          </a:fillRef>
+          <a:effectRef idx="0">
+            <a:schemeClr val="dk1"/>
+          </a:effectRef>
+          <a:fontRef idx="minor">
+            <a:schemeClr val="dk1"/>
+          </a:fontRef>
+        </p:style>
+        <p:txBody>
+          <a:bodyPr wrap="square" rtlCol="0">
+            <a:spAutoFit/>
+          </a:bodyPr>
+          <a:lstStyle/>
+          <a:p>
+            <a:r>
+              <a:rPr lang="en-US" altLang="ko-KR" sz="1600" dirty="0"/>
+              <a:t>Object</a:t>
+            </a:r>
+            <a:r>
+              <a:rPr lang="ko-KR" altLang="en-US" sz="1600" dirty="0"/>
+              <a:t> 사용법 </a:t>
+            </a:r>
+            <a:r>
+              <a:rPr lang="en-US" altLang="ko-KR" sz="1600" dirty="0"/>
+              <a:t>+ </a:t>
+            </a:r>
+            <a:r>
+              <a:rPr lang="ko-KR" altLang="en-US" sz="1600" dirty="0"/>
+              <a:t>문자열 다루는 법</a:t>
+            </a:r>
+          </a:p>
+        </p:txBody>
+      </p:sp>
+      <p:cxnSp>
+        <p:nvCxnSpPr>
+          <p:cNvPr id="46" name="직선 화살표 연결선 45">
+            <a:extLst>
+              <a:ext uri="{FF2B5EF4-FFF2-40B4-BE49-F238E27FC236}">
+                <a16:creationId xmlns:a16="http://schemas.microsoft.com/office/drawing/2014/main" id="{6501F9A5-DA40-590F-937E-0CA52CB80F1D}"/>
+              </a:ext>
+            </a:extLst>
+          </p:cNvPr>
+          <p:cNvCxnSpPr>
+            <a:cxnSpLocks/>
+            <a:stCxn id="5" idx="2"/>
+            <a:endCxn id="43" idx="1"/>
+          </p:cNvCxnSpPr>
+          <p:nvPr/>
+        </p:nvCxnSpPr>
+        <p:spPr>
+          <a:xfrm>
+            <a:off x="1755321" y="5350856"/>
+            <a:ext cx="1558294" cy="476100"/>
+          </a:xfrm>
+          <a:prstGeom prst="straightConnector1">
+            <a:avLst/>
+          </a:prstGeom>
+          <a:ln>
+            <a:tailEnd type="triangle"/>
+          </a:ln>
+        </p:spPr>
+        <p:style>
+          <a:lnRef idx="3">
+            <a:schemeClr val="dk1"/>
+          </a:lnRef>
+          <a:fillRef idx="0">
+            <a:schemeClr val="dk1"/>
+          </a:fillRef>
+          <a:effectRef idx="2">
+            <a:schemeClr val="dk1"/>
+          </a:effectRef>
+          <a:fontRef idx="minor">
+            <a:schemeClr val="tx1"/>
+          </a:fontRef>
+        </p:style>
+      </p:cxnSp>
+    </p:spTree>
+    <p:extLst>
+      <p:ext uri="{BB962C8B-B14F-4D97-AF65-F5344CB8AC3E}">
+        <p14:creationId xmlns:p14="http://schemas.microsoft.com/office/powerpoint/2010/main" val="4115853115"/>
+      </p:ext>
+    </p:extLst>
+  </p:cSld>
+  <p:clrMapOvr>
+    <a:masterClrMapping/>
+  </p:clrMapOvr>
+</p:sld>
+</file>
+
+<file path=ppt/slides/slide8.xml><?xml version="1.0" encoding="utf-8"?>
+<p:sld xmlns:a="http://schemas.openxmlformats.org/drawingml/2006/main" xmlns:r="http://schemas.openxmlformats.org/officeDocument/2006/relationships" xmlns:p="http://schemas.openxmlformats.org/presentationml/2006/main">
+  <p:cSld>
+    <p:spTree>
+      <p:nvGrpSpPr>
+        <p:cNvPr id="1" name=""/>
+        <p:cNvGrpSpPr/>
+        <p:nvPr/>
+      </p:nvGrpSpPr>
+      <p:grpSpPr>
+        <a:xfrm>
+          <a:off x="0" y="0"/>
+          <a:ext cx="0" cy="0"/>
+          <a:chOff x="0" y="0"/>
+          <a:chExt cx="0" cy="0"/>
+        </a:xfrm>
+      </p:grpSpPr>
+      <p:sp>
+        <p:nvSpPr>
+          <p:cNvPr id="10" name="직사각형 9">
+            <a:extLst>
+              <a:ext uri="{FF2B5EF4-FFF2-40B4-BE49-F238E27FC236}">
+                <a16:creationId xmlns:a16="http://schemas.microsoft.com/office/drawing/2014/main" id="{AB83F84B-7296-380A-89B5-EDD4CF661F01}"/>
+              </a:ext>
+            </a:extLst>
+          </p:cNvPr>
+          <p:cNvSpPr/>
+          <p:nvPr/>
+        </p:nvSpPr>
+        <p:spPr>
+          <a:xfrm>
+            <a:off x="649549" y="794142"/>
+            <a:ext cx="3744898" cy="3706838"/>
+          </a:xfrm>
+          <a:prstGeom prst="rect">
+            <a:avLst/>
+          </a:prstGeom>
+        </p:spPr>
+        <p:style>
+          <a:lnRef idx="2">
+            <a:schemeClr val="accent1">
+              <a:shade val="50000"/>
+            </a:schemeClr>
+          </a:lnRef>
+          <a:fillRef idx="1">
+            <a:schemeClr val="accent1"/>
+          </a:fillRef>
+          <a:effectRef idx="0">
+            <a:schemeClr val="accent1"/>
+          </a:effectRef>
+          <a:fontRef idx="minor">
+            <a:schemeClr val="lt1"/>
+          </a:fontRef>
+        </p:style>
+        <p:txBody>
+          <a:bodyPr rtlCol="0" anchor="t"/>
+          <a:lstStyle/>
+          <a:p>
+            <a:pPr algn="ctr"/>
+            <a:r>
+              <a:rPr lang="en-US" altLang="ko-KR" dirty="0"/>
+              <a:t>String</a:t>
+            </a:r>
+            <a:endParaRPr lang="ko-KR" altLang="en-US" dirty="0"/>
+          </a:p>
+        </p:txBody>
+      </p:sp>
+      <p:sp>
+        <p:nvSpPr>
+          <p:cNvPr id="11" name="직사각형 10">
+            <a:extLst>
+              <a:ext uri="{FF2B5EF4-FFF2-40B4-BE49-F238E27FC236}">
+                <a16:creationId xmlns:a16="http://schemas.microsoft.com/office/drawing/2014/main" id="{85FE853B-A319-E31F-E1D6-E888E1900EDA}"/>
+              </a:ext>
+            </a:extLst>
+          </p:cNvPr>
+          <p:cNvSpPr/>
+          <p:nvPr/>
+        </p:nvSpPr>
+        <p:spPr>
+          <a:xfrm>
+            <a:off x="1483048" y="1846555"/>
+            <a:ext cx="2077900" cy="1798949"/>
+          </a:xfrm>
+          <a:prstGeom prst="rect">
+            <a:avLst/>
+          </a:prstGeom>
+        </p:spPr>
+        <p:style>
+          <a:lnRef idx="2">
+            <a:schemeClr val="accent5">
+              <a:shade val="50000"/>
+            </a:schemeClr>
+          </a:lnRef>
+          <a:fillRef idx="1">
+            <a:schemeClr val="accent5"/>
+          </a:fillRef>
+          <a:effectRef idx="0">
+            <a:schemeClr val="accent5"/>
+          </a:effectRef>
+          <a:fontRef idx="minor">
+            <a:schemeClr val="lt1"/>
+          </a:fontRef>
+        </p:style>
+        <p:txBody>
+          <a:bodyPr rtlCol="0" anchor="ctr"/>
+          <a:lstStyle/>
+          <a:p>
+            <a:pPr algn="ctr"/>
+            <a:r>
+              <a:rPr lang="en-US" altLang="ko-KR" dirty="0"/>
+              <a:t>Object</a:t>
+            </a:r>
+          </a:p>
+          <a:p>
+            <a:pPr algn="ctr"/>
+            <a:r>
+              <a:rPr lang="en-US" altLang="ko-KR" dirty="0"/>
+              <a:t>(class)</a:t>
+            </a:r>
+            <a:endParaRPr lang="ko-KR" altLang="en-US" dirty="0"/>
+          </a:p>
+        </p:txBody>
+      </p:sp>
+      <p:sp>
+        <p:nvSpPr>
+          <p:cNvPr id="13" name="직사각형 12">
+            <a:extLst>
+              <a:ext uri="{FF2B5EF4-FFF2-40B4-BE49-F238E27FC236}">
+                <a16:creationId xmlns:a16="http://schemas.microsoft.com/office/drawing/2014/main" id="{6B121DA2-D19F-C8B2-81A8-D08996095FE6}"/>
+              </a:ext>
+            </a:extLst>
+          </p:cNvPr>
+          <p:cNvSpPr/>
+          <p:nvPr/>
+        </p:nvSpPr>
+        <p:spPr>
+          <a:xfrm>
+            <a:off x="6205492" y="1532190"/>
+            <a:ext cx="1681843" cy="1338943"/>
+          </a:xfrm>
+          <a:prstGeom prst="rect">
+            <a:avLst/>
+          </a:prstGeom>
+        </p:spPr>
+        <p:style>
+          <a:lnRef idx="2">
+            <a:schemeClr val="accent1">
+              <a:shade val="50000"/>
+            </a:schemeClr>
+          </a:lnRef>
+          <a:fillRef idx="1">
+            <a:schemeClr val="accent1"/>
+          </a:fillRef>
+          <a:effectRef idx="0">
+            <a:schemeClr val="accent1"/>
+          </a:effectRef>
+          <a:fontRef idx="minor">
+            <a:schemeClr val="lt1"/>
+          </a:fontRef>
+        </p:style>
+        <p:txBody>
+          <a:bodyPr rtlCol="0" anchor="ctr"/>
+          <a:lstStyle/>
+          <a:p>
+            <a:pPr algn="ctr"/>
+            <a:r>
+              <a:rPr lang="en-US" altLang="ko-KR" dirty="0"/>
+              <a:t>Object</a:t>
+            </a:r>
+          </a:p>
+          <a:p>
+            <a:pPr algn="ctr"/>
+            <a:r>
+              <a:rPr lang="en-US" altLang="ko-KR" dirty="0"/>
+              <a:t>(class)</a:t>
+            </a:r>
+            <a:endParaRPr lang="ko-KR" altLang="en-US" dirty="0"/>
+          </a:p>
+        </p:txBody>
+      </p:sp>
+      <p:sp>
+        <p:nvSpPr>
+          <p:cNvPr id="14" name="직사각형 13">
+            <a:extLst>
+              <a:ext uri="{FF2B5EF4-FFF2-40B4-BE49-F238E27FC236}">
+                <a16:creationId xmlns:a16="http://schemas.microsoft.com/office/drawing/2014/main" id="{EB9CCBDC-4714-4F51-5C15-47EFC29BFAD8}"/>
+              </a:ext>
+            </a:extLst>
+          </p:cNvPr>
+          <p:cNvSpPr/>
+          <p:nvPr/>
+        </p:nvSpPr>
+        <p:spPr>
+          <a:xfrm>
+            <a:off x="9241655" y="1532190"/>
+            <a:ext cx="1681843" cy="1338943"/>
+          </a:xfrm>
+          <a:prstGeom prst="rect">
+            <a:avLst/>
+          </a:prstGeom>
+        </p:spPr>
+        <p:style>
+          <a:lnRef idx="2">
+            <a:schemeClr val="accent1">
+              <a:shade val="50000"/>
+            </a:schemeClr>
+          </a:lnRef>
+          <a:fillRef idx="1">
+            <a:schemeClr val="accent1"/>
+          </a:fillRef>
+          <a:effectRef idx="0">
+            <a:schemeClr val="accent1"/>
+          </a:effectRef>
+          <a:fontRef idx="minor">
+            <a:schemeClr val="lt1"/>
+          </a:fontRef>
+        </p:style>
+        <p:txBody>
+          <a:bodyPr rtlCol="0" anchor="ctr"/>
+          <a:lstStyle/>
+          <a:p>
+            <a:pPr algn="ctr"/>
+            <a:r>
+              <a:rPr lang="en-US" altLang="ko-KR" dirty="0"/>
+              <a:t>String</a:t>
+            </a:r>
+            <a:endParaRPr lang="ko-KR" altLang="en-US" dirty="0"/>
+          </a:p>
+        </p:txBody>
+      </p:sp>
+      <p:cxnSp>
+        <p:nvCxnSpPr>
+          <p:cNvPr id="15" name="직선 화살표 연결선 14">
+            <a:extLst>
+              <a:ext uri="{FF2B5EF4-FFF2-40B4-BE49-F238E27FC236}">
+                <a16:creationId xmlns:a16="http://schemas.microsoft.com/office/drawing/2014/main" id="{24D137CF-1A22-1BBA-4AC3-D93809D2706A}"/>
+              </a:ext>
+            </a:extLst>
+          </p:cNvPr>
+          <p:cNvCxnSpPr>
+            <a:cxnSpLocks/>
+            <a:stCxn id="14" idx="1"/>
+            <a:endCxn id="13" idx="3"/>
+          </p:cNvCxnSpPr>
+          <p:nvPr/>
+        </p:nvCxnSpPr>
+        <p:spPr>
+          <a:xfrm flipH="1">
+            <a:off x="7887335" y="2201662"/>
+            <a:ext cx="1354320" cy="0"/>
+          </a:xfrm>
+          <a:prstGeom prst="straightConnector1">
+            <a:avLst/>
+          </a:prstGeom>
+          <a:ln>
+            <a:tailEnd type="triangle"/>
+          </a:ln>
+        </p:spPr>
+        <p:style>
+          <a:lnRef idx="3">
+            <a:schemeClr val="accent1"/>
+          </a:lnRef>
+          <a:fillRef idx="0">
+            <a:schemeClr val="accent1"/>
+          </a:fillRef>
+          <a:effectRef idx="2">
+            <a:schemeClr val="accent1"/>
+          </a:effectRef>
+          <a:fontRef idx="minor">
+            <a:schemeClr val="tx1"/>
+          </a:fontRef>
+        </p:style>
+      </p:cxnSp>
+      <p:sp>
+        <p:nvSpPr>
+          <p:cNvPr id="19" name="TextBox 18">
+            <a:extLst>
+              <a:ext uri="{FF2B5EF4-FFF2-40B4-BE49-F238E27FC236}">
+                <a16:creationId xmlns:a16="http://schemas.microsoft.com/office/drawing/2014/main" id="{21CA4831-7C09-0DF0-AE37-1BE6C62E6358}"/>
+              </a:ext>
+            </a:extLst>
+          </p:cNvPr>
+          <p:cNvSpPr txBox="1"/>
+          <p:nvPr/>
+        </p:nvSpPr>
+        <p:spPr>
+          <a:xfrm>
+            <a:off x="6621740" y="1043566"/>
+            <a:ext cx="4013709" cy="307777"/>
+          </a:xfrm>
+          <a:prstGeom prst="rect">
+            <a:avLst/>
+          </a:prstGeom>
+        </p:spPr>
+        <p:style>
+          <a:lnRef idx="2">
+            <a:schemeClr val="accent1"/>
+          </a:lnRef>
+          <a:fillRef idx="1">
+            <a:schemeClr val="lt1"/>
+          </a:fillRef>
+          <a:effectRef idx="0">
+            <a:schemeClr val="accent1"/>
+          </a:effectRef>
+          <a:fontRef idx="minor">
+            <a:schemeClr val="dk1"/>
+          </a:fontRef>
+        </p:style>
+        <p:txBody>
+          <a:bodyPr wrap="square" rtlCol="0">
+            <a:spAutoFit/>
+          </a:bodyPr>
+          <a:lstStyle/>
+          <a:p>
+            <a:r>
+              <a:rPr lang="en-US" altLang="ko-KR" sz="1400" dirty="0"/>
+              <a:t>Object</a:t>
+            </a:r>
+            <a:r>
+              <a:rPr lang="ko-KR" altLang="en-US" sz="1400" dirty="0"/>
+              <a:t>의 기능을 사용할 수 있는 권리를 갖는다</a:t>
+            </a:r>
+            <a:r>
+              <a:rPr lang="en-US" altLang="ko-KR" sz="1400" dirty="0"/>
+              <a:t>.</a:t>
+            </a:r>
+            <a:endParaRPr lang="ko-KR" altLang="en-US" sz="1400" dirty="0"/>
+          </a:p>
+        </p:txBody>
+      </p:sp>
+      <p:sp>
+        <p:nvSpPr>
+          <p:cNvPr id="8" name="곱하기 기호 7">
+            <a:extLst>
+              <a:ext uri="{FF2B5EF4-FFF2-40B4-BE49-F238E27FC236}">
+                <a16:creationId xmlns:a16="http://schemas.microsoft.com/office/drawing/2014/main" id="{E7844DE3-317B-11FE-2757-4CCA55374747}"/>
+              </a:ext>
+            </a:extLst>
+          </p:cNvPr>
+          <p:cNvSpPr/>
+          <p:nvPr/>
+        </p:nvSpPr>
+        <p:spPr>
+          <a:xfrm>
+            <a:off x="-182181" y="2647561"/>
+            <a:ext cx="3262017" cy="2480869"/>
+          </a:xfrm>
+          <a:prstGeom prst="mathMultiply">
+            <a:avLst/>
+          </a:prstGeom>
+          <a:solidFill>
+            <a:srgbClr val="FF0000"/>
+          </a:solidFill>
+        </p:spPr>
+        <p:style>
+          <a:lnRef idx="2">
+            <a:schemeClr val="accent1">
+              <a:shade val="50000"/>
+            </a:schemeClr>
+          </a:lnRef>
+          <a:fillRef idx="1">
+            <a:schemeClr val="accent1"/>
+          </a:fillRef>
+          <a:effectRef idx="0">
+            <a:schemeClr val="accent1"/>
+          </a:effectRef>
+          <a:fontRef idx="minor">
+            <a:schemeClr val="lt1"/>
+          </a:fontRef>
+        </p:style>
+        <p:txBody>
+          <a:bodyPr rtlCol="0" anchor="ctr"/>
+          <a:lstStyle/>
+          <a:p>
+            <a:pPr algn="ctr"/>
+            <a:endParaRPr lang="ko-KR" altLang="en-US"/>
+          </a:p>
+        </p:txBody>
+      </p:sp>
+      <p:sp>
+        <p:nvSpPr>
+          <p:cNvPr id="21" name="TextBox 20">
+            <a:extLst>
+              <a:ext uri="{FF2B5EF4-FFF2-40B4-BE49-F238E27FC236}">
+                <a16:creationId xmlns:a16="http://schemas.microsoft.com/office/drawing/2014/main" id="{AAD8617B-C4E7-4ADB-A221-8FFC58481956}"/>
+              </a:ext>
+            </a:extLst>
+          </p:cNvPr>
+          <p:cNvSpPr txBox="1"/>
+          <p:nvPr/>
+        </p:nvSpPr>
+        <p:spPr>
+          <a:xfrm>
+            <a:off x="1658907" y="3920642"/>
+            <a:ext cx="4013709" cy="307777"/>
+          </a:xfrm>
+          <a:prstGeom prst="rect">
+            <a:avLst/>
+          </a:prstGeom>
+          <a:ln>
+            <a:solidFill>
+              <a:srgbClr val="FF0000"/>
+            </a:solidFill>
+          </a:ln>
+        </p:spPr>
+        <p:style>
+          <a:lnRef idx="2">
+            <a:schemeClr val="accent1"/>
+          </a:lnRef>
+          <a:fillRef idx="1">
+            <a:schemeClr val="lt1"/>
+          </a:fillRef>
+          <a:effectRef idx="0">
+            <a:schemeClr val="accent1"/>
+          </a:effectRef>
+          <a:fontRef idx="minor">
+            <a:schemeClr val="dk1"/>
+          </a:fontRef>
+        </p:style>
+        <p:txBody>
+          <a:bodyPr wrap="square" rtlCol="0">
+            <a:spAutoFit/>
+          </a:bodyPr>
+          <a:lstStyle/>
+          <a:p>
+            <a:r>
+              <a:rPr lang="en-US" altLang="ko-KR" sz="1400" dirty="0"/>
+              <a:t>Object</a:t>
+            </a:r>
+            <a:r>
+              <a:rPr lang="ko-KR" altLang="en-US" sz="1400" dirty="0"/>
+              <a:t>의 코드를 가져오는 것이 아니다</a:t>
+            </a:r>
+            <a:r>
+              <a:rPr lang="en-US" altLang="ko-KR" sz="1400" dirty="0"/>
+              <a:t>!</a:t>
+            </a:r>
+            <a:endParaRPr lang="ko-KR" altLang="en-US" sz="1400" dirty="0"/>
+          </a:p>
+        </p:txBody>
+      </p:sp>
+    </p:spTree>
+    <p:extLst>
+      <p:ext uri="{BB962C8B-B14F-4D97-AF65-F5344CB8AC3E}">
+        <p14:creationId xmlns:p14="http://schemas.microsoft.com/office/powerpoint/2010/main" val="1691249371"/>
+      </p:ext>
+    </p:extLst>
+  </p:cSld>
+  <p:clrMapOvr>
+    <a:masterClrMapping/>
+  </p:clrMapOvr>
+</p:sld>
+</file>
+
+<file path=ppt/slides/slide9.xml><?xml version="1.0" encoding="utf-8"?>
+<p:sld xmlns:a="http://schemas.openxmlformats.org/drawingml/2006/main" xmlns:r="http://schemas.openxmlformats.org/officeDocument/2006/relationships" xmlns:p="http://schemas.openxmlformats.org/presentationml/2006/main">
+  <p:cSld>
+    <p:spTree>
+      <p:nvGrpSpPr>
+        <p:cNvPr id="1" name=""/>
+        <p:cNvGrpSpPr/>
+        <p:nvPr/>
+      </p:nvGrpSpPr>
+      <p:grpSpPr>
+        <a:xfrm>
+          <a:off x="0" y="0"/>
+          <a:ext cx="0" cy="0"/>
+          <a:chOff x="0" y="0"/>
+          <a:chExt cx="0" cy="0"/>
+        </a:xfrm>
+      </p:grpSpPr>
+      <p:sp>
+        <p:nvSpPr>
+          <p:cNvPr id="13" name="직사각형 12">
+            <a:extLst>
+              <a:ext uri="{FF2B5EF4-FFF2-40B4-BE49-F238E27FC236}">
+                <a16:creationId xmlns:a16="http://schemas.microsoft.com/office/drawing/2014/main" id="{6B121DA2-D19F-C8B2-81A8-D08996095FE6}"/>
+              </a:ext>
+            </a:extLst>
+          </p:cNvPr>
+          <p:cNvSpPr/>
+          <p:nvPr/>
+        </p:nvSpPr>
+        <p:spPr>
+          <a:xfrm>
+            <a:off x="1198485" y="1207362"/>
+            <a:ext cx="1080000" cy="1080000"/>
+          </a:xfrm>
+          <a:prstGeom prst="rect">
+            <a:avLst/>
+          </a:prstGeom>
+        </p:spPr>
+        <p:style>
+          <a:lnRef idx="2">
+            <a:schemeClr val="accent1">
+              <a:shade val="50000"/>
+            </a:schemeClr>
+          </a:lnRef>
+          <a:fillRef idx="1">
+            <a:schemeClr val="accent1"/>
+          </a:fillRef>
+          <a:effectRef idx="0">
+            <a:schemeClr val="accent1"/>
+          </a:effectRef>
+          <a:fontRef idx="minor">
+            <a:schemeClr val="lt1"/>
+          </a:fontRef>
+        </p:style>
+        <p:txBody>
+          <a:bodyPr rtlCol="0" anchor="ctr"/>
+          <a:lstStyle/>
+          <a:p>
+            <a:pPr algn="ctr"/>
+            <a:r>
+              <a:rPr lang="en-US" altLang="ko-KR" dirty="0"/>
+              <a:t>A</a:t>
+            </a:r>
+          </a:p>
+        </p:txBody>
+      </p:sp>
+      <p:cxnSp>
+        <p:nvCxnSpPr>
+          <p:cNvPr id="15" name="직선 화살표 연결선 14">
+            <a:extLst>
+              <a:ext uri="{FF2B5EF4-FFF2-40B4-BE49-F238E27FC236}">
+                <a16:creationId xmlns:a16="http://schemas.microsoft.com/office/drawing/2014/main" id="{24D137CF-1A22-1BBA-4AC3-D93809D2706A}"/>
+              </a:ext>
+            </a:extLst>
+          </p:cNvPr>
+          <p:cNvCxnSpPr>
+            <a:cxnSpLocks/>
+            <a:stCxn id="16" idx="0"/>
+            <a:endCxn id="13" idx="2"/>
+          </p:cNvCxnSpPr>
+          <p:nvPr/>
+        </p:nvCxnSpPr>
+        <p:spPr>
+          <a:xfrm flipV="1">
+            <a:off x="1738485" y="2287362"/>
+            <a:ext cx="0" cy="259893"/>
+          </a:xfrm>
+          <a:prstGeom prst="straightConnector1">
+            <a:avLst/>
+          </a:prstGeom>
+          <a:ln>
+            <a:tailEnd type="triangle"/>
+          </a:ln>
+        </p:spPr>
+        <p:style>
+          <a:lnRef idx="3">
+            <a:schemeClr val="accent1"/>
+          </a:lnRef>
+          <a:fillRef idx="0">
+            <a:schemeClr val="accent1"/>
+          </a:fillRef>
+          <a:effectRef idx="2">
+            <a:schemeClr val="accent1"/>
+          </a:effectRef>
+          <a:fontRef idx="minor">
+            <a:schemeClr val="tx1"/>
+          </a:fontRef>
+        </p:style>
+      </p:cxnSp>
+      <p:sp>
+        <p:nvSpPr>
+          <p:cNvPr id="19" name="TextBox 18">
+            <a:extLst>
+              <a:ext uri="{FF2B5EF4-FFF2-40B4-BE49-F238E27FC236}">
+                <a16:creationId xmlns:a16="http://schemas.microsoft.com/office/drawing/2014/main" id="{21CA4831-7C09-0DF0-AE37-1BE6C62E6358}"/>
+              </a:ext>
+            </a:extLst>
+          </p:cNvPr>
+          <p:cNvSpPr txBox="1"/>
+          <p:nvPr/>
+        </p:nvSpPr>
+        <p:spPr>
+          <a:xfrm>
+            <a:off x="2659341" y="4273259"/>
+            <a:ext cx="481024" cy="307777"/>
+          </a:xfrm>
+          <a:prstGeom prst="rect">
+            <a:avLst/>
+          </a:prstGeom>
+        </p:spPr>
+        <p:style>
+          <a:lnRef idx="2">
+            <a:schemeClr val="accent1"/>
+          </a:lnRef>
+          <a:fillRef idx="1">
+            <a:schemeClr val="lt1"/>
+          </a:fillRef>
+          <a:effectRef idx="0">
+            <a:schemeClr val="accent1"/>
+          </a:effectRef>
+          <a:fontRef idx="minor">
+            <a:schemeClr val="dk1"/>
+          </a:fontRef>
+        </p:style>
+        <p:txBody>
+          <a:bodyPr wrap="square" rtlCol="0">
+            <a:spAutoFit/>
+          </a:bodyPr>
+          <a:lstStyle/>
+          <a:p>
+            <a:r>
+              <a:rPr lang="en-US" altLang="ko-KR" sz="1400" dirty="0"/>
+              <a:t>m()</a:t>
+            </a:r>
+            <a:endParaRPr lang="ko-KR" altLang="en-US" sz="1400" dirty="0"/>
+          </a:p>
+        </p:txBody>
+      </p:sp>
+      <p:sp>
+        <p:nvSpPr>
+          <p:cNvPr id="16" name="직사각형 15">
+            <a:extLst>
+              <a:ext uri="{FF2B5EF4-FFF2-40B4-BE49-F238E27FC236}">
+                <a16:creationId xmlns:a16="http://schemas.microsoft.com/office/drawing/2014/main" id="{32A3F7D9-BF37-430F-ACE5-71903D974BFC}"/>
+              </a:ext>
+            </a:extLst>
+          </p:cNvPr>
+          <p:cNvSpPr/>
+          <p:nvPr/>
+        </p:nvSpPr>
+        <p:spPr>
+          <a:xfrm>
+            <a:off x="1198485" y="2547255"/>
+            <a:ext cx="1080000" cy="1080000"/>
+          </a:xfrm>
+          <a:prstGeom prst="rect">
+            <a:avLst/>
+          </a:prstGeom>
+        </p:spPr>
+        <p:style>
+          <a:lnRef idx="2">
+            <a:schemeClr val="accent1">
+              <a:shade val="50000"/>
+            </a:schemeClr>
+          </a:lnRef>
+          <a:fillRef idx="1">
+            <a:schemeClr val="accent1"/>
+          </a:fillRef>
+          <a:effectRef idx="0">
+            <a:schemeClr val="accent1"/>
+          </a:effectRef>
+          <a:fontRef idx="minor">
+            <a:schemeClr val="lt1"/>
+          </a:fontRef>
+        </p:style>
+        <p:txBody>
+          <a:bodyPr rtlCol="0" anchor="ctr"/>
+          <a:lstStyle/>
+          <a:p>
+            <a:pPr algn="ctr"/>
+            <a:r>
+              <a:rPr lang="en-US" altLang="ko-KR" dirty="0"/>
+              <a:t>B</a:t>
+            </a:r>
+          </a:p>
+        </p:txBody>
+      </p:sp>
+      <p:sp>
+        <p:nvSpPr>
+          <p:cNvPr id="20" name="직사각형 19">
+            <a:extLst>
+              <a:ext uri="{FF2B5EF4-FFF2-40B4-BE49-F238E27FC236}">
+                <a16:creationId xmlns:a16="http://schemas.microsoft.com/office/drawing/2014/main" id="{E9924DE5-24EB-557D-02AC-DFD56D0E2EDB}"/>
+              </a:ext>
+            </a:extLst>
+          </p:cNvPr>
+          <p:cNvSpPr/>
+          <p:nvPr/>
+        </p:nvSpPr>
+        <p:spPr>
+          <a:xfrm>
+            <a:off x="1198485" y="3887148"/>
+            <a:ext cx="1080000" cy="1080000"/>
+          </a:xfrm>
+          <a:prstGeom prst="rect">
+            <a:avLst/>
+          </a:prstGeom>
+        </p:spPr>
+        <p:style>
+          <a:lnRef idx="2">
+            <a:schemeClr val="accent1">
+              <a:shade val="50000"/>
+            </a:schemeClr>
+          </a:lnRef>
+          <a:fillRef idx="1">
+            <a:schemeClr val="accent1"/>
+          </a:fillRef>
+          <a:effectRef idx="0">
+            <a:schemeClr val="accent1"/>
+          </a:effectRef>
+          <a:fontRef idx="minor">
+            <a:schemeClr val="lt1"/>
+          </a:fontRef>
+        </p:style>
+        <p:txBody>
+          <a:bodyPr rtlCol="0" anchor="ctr"/>
+          <a:lstStyle/>
+          <a:p>
+            <a:pPr algn="ctr"/>
+            <a:r>
+              <a:rPr lang="en-US" altLang="ko-KR" dirty="0"/>
+              <a:t>C</a:t>
+            </a:r>
+          </a:p>
+        </p:txBody>
+      </p:sp>
+      <p:cxnSp>
+        <p:nvCxnSpPr>
+          <p:cNvPr id="22" name="직선 화살표 연결선 21">
+            <a:extLst>
+              <a:ext uri="{FF2B5EF4-FFF2-40B4-BE49-F238E27FC236}">
+                <a16:creationId xmlns:a16="http://schemas.microsoft.com/office/drawing/2014/main" id="{C97A72A8-411D-BA32-E4F6-D69B3C1F2656}"/>
+              </a:ext>
+            </a:extLst>
+          </p:cNvPr>
+          <p:cNvCxnSpPr>
+            <a:cxnSpLocks/>
+            <a:stCxn id="23" idx="0"/>
+            <a:endCxn id="20" idx="2"/>
+          </p:cNvCxnSpPr>
+          <p:nvPr/>
+        </p:nvCxnSpPr>
+        <p:spPr>
+          <a:xfrm flipV="1">
+            <a:off x="1738485" y="4967148"/>
+            <a:ext cx="0" cy="259893"/>
+          </a:xfrm>
+          <a:prstGeom prst="straightConnector1">
+            <a:avLst/>
+          </a:prstGeom>
+          <a:ln>
+            <a:tailEnd type="triangle"/>
+          </a:ln>
+        </p:spPr>
+        <p:style>
+          <a:lnRef idx="3">
+            <a:schemeClr val="accent1"/>
+          </a:lnRef>
+          <a:fillRef idx="0">
+            <a:schemeClr val="accent1"/>
+          </a:fillRef>
+          <a:effectRef idx="2">
+            <a:schemeClr val="accent1"/>
+          </a:effectRef>
+          <a:fontRef idx="minor">
+            <a:schemeClr val="tx1"/>
+          </a:fontRef>
+        </p:style>
+      </p:cxnSp>
+      <p:sp>
+        <p:nvSpPr>
+          <p:cNvPr id="23" name="직사각형 22">
+            <a:extLst>
+              <a:ext uri="{FF2B5EF4-FFF2-40B4-BE49-F238E27FC236}">
+                <a16:creationId xmlns:a16="http://schemas.microsoft.com/office/drawing/2014/main" id="{0F57623C-33B3-72F5-3B1D-0AAE600F774A}"/>
+              </a:ext>
+            </a:extLst>
+          </p:cNvPr>
+          <p:cNvSpPr/>
+          <p:nvPr/>
+        </p:nvSpPr>
+        <p:spPr>
+          <a:xfrm>
+            <a:off x="1198485" y="5227041"/>
+            <a:ext cx="1080000" cy="1080000"/>
+          </a:xfrm>
+          <a:prstGeom prst="rect">
+            <a:avLst/>
+          </a:prstGeom>
+        </p:spPr>
+        <p:style>
+          <a:lnRef idx="2">
+            <a:schemeClr val="accent1">
+              <a:shade val="50000"/>
+            </a:schemeClr>
+          </a:lnRef>
+          <a:fillRef idx="1">
+            <a:schemeClr val="accent1"/>
+          </a:fillRef>
+          <a:effectRef idx="0">
+            <a:schemeClr val="accent1"/>
+          </a:effectRef>
+          <a:fontRef idx="minor">
+            <a:schemeClr val="lt1"/>
+          </a:fontRef>
+        </p:style>
+        <p:txBody>
+          <a:bodyPr rtlCol="0" anchor="ctr"/>
+          <a:lstStyle/>
+          <a:p>
+            <a:pPr algn="ctr"/>
+            <a:r>
+              <a:rPr lang="en-US" altLang="ko-KR" dirty="0"/>
+              <a:t>D</a:t>
+            </a:r>
+          </a:p>
+        </p:txBody>
+      </p:sp>
+      <p:cxnSp>
+        <p:nvCxnSpPr>
+          <p:cNvPr id="24" name="직선 화살표 연결선 23">
+            <a:extLst>
+              <a:ext uri="{FF2B5EF4-FFF2-40B4-BE49-F238E27FC236}">
+                <a16:creationId xmlns:a16="http://schemas.microsoft.com/office/drawing/2014/main" id="{8782BDBE-14AB-0A7D-D734-BF99CCB5E67C}"/>
+              </a:ext>
+            </a:extLst>
+          </p:cNvPr>
+          <p:cNvCxnSpPr>
+            <a:cxnSpLocks/>
+            <a:stCxn id="20" idx="0"/>
+            <a:endCxn id="16" idx="2"/>
+          </p:cNvCxnSpPr>
+          <p:nvPr/>
+        </p:nvCxnSpPr>
+        <p:spPr>
+          <a:xfrm flipV="1">
+            <a:off x="1738485" y="3627255"/>
+            <a:ext cx="0" cy="259893"/>
+          </a:xfrm>
+          <a:prstGeom prst="straightConnector1">
+            <a:avLst/>
+          </a:prstGeom>
+          <a:ln>
+            <a:tailEnd type="triangle"/>
+          </a:ln>
+        </p:spPr>
+        <p:style>
+          <a:lnRef idx="3">
+            <a:schemeClr val="accent1"/>
+          </a:lnRef>
+          <a:fillRef idx="0">
+            <a:schemeClr val="accent1"/>
+          </a:fillRef>
+          <a:effectRef idx="2">
+            <a:schemeClr val="accent1"/>
+          </a:effectRef>
+          <a:fontRef idx="minor">
+            <a:schemeClr val="tx1"/>
+          </a:fontRef>
+        </p:style>
+      </p:cxnSp>
+      <p:sp>
+        <p:nvSpPr>
+          <p:cNvPr id="25" name="TextBox 24">
+            <a:extLst>
+              <a:ext uri="{FF2B5EF4-FFF2-40B4-BE49-F238E27FC236}">
+                <a16:creationId xmlns:a16="http://schemas.microsoft.com/office/drawing/2014/main" id="{A49F0D2D-D4D2-DB96-B912-42413E8A6894}"/>
+              </a:ext>
+            </a:extLst>
+          </p:cNvPr>
+          <p:cNvSpPr txBox="1"/>
+          <p:nvPr/>
+        </p:nvSpPr>
+        <p:spPr>
+          <a:xfrm>
+            <a:off x="2659342" y="5613152"/>
+            <a:ext cx="481024" cy="307777"/>
+          </a:xfrm>
+          <a:prstGeom prst="rect">
+            <a:avLst/>
+          </a:prstGeom>
+        </p:spPr>
+        <p:style>
+          <a:lnRef idx="2">
+            <a:schemeClr val="accent1"/>
+          </a:lnRef>
+          <a:fillRef idx="1">
+            <a:schemeClr val="lt1"/>
+          </a:fillRef>
+          <a:effectRef idx="0">
+            <a:schemeClr val="accent1"/>
+          </a:effectRef>
+          <a:fontRef idx="minor">
+            <a:schemeClr val="dk1"/>
+          </a:fontRef>
+        </p:style>
+        <p:txBody>
+          <a:bodyPr wrap="square" rtlCol="0">
+            <a:spAutoFit/>
+          </a:bodyPr>
+          <a:lstStyle/>
+          <a:p>
+            <a:r>
+              <a:rPr lang="en-US" altLang="ko-KR" sz="1400" dirty="0"/>
+              <a:t>m()</a:t>
+            </a:r>
+            <a:endParaRPr lang="ko-KR" altLang="en-US" sz="1400" dirty="0"/>
+          </a:p>
+        </p:txBody>
+      </p:sp>
+      <p:sp>
+        <p:nvSpPr>
+          <p:cNvPr id="26" name="TextBox 25">
+            <a:extLst>
+              <a:ext uri="{FF2B5EF4-FFF2-40B4-BE49-F238E27FC236}">
+                <a16:creationId xmlns:a16="http://schemas.microsoft.com/office/drawing/2014/main" id="{48865034-7742-CAB0-D3F1-8573AEE67E2F}"/>
+              </a:ext>
+            </a:extLst>
+          </p:cNvPr>
+          <p:cNvSpPr txBox="1"/>
+          <p:nvPr/>
+        </p:nvSpPr>
+        <p:spPr>
+          <a:xfrm>
+            <a:off x="4516583" y="5567513"/>
+            <a:ext cx="1080000" cy="369332"/>
+          </a:xfrm>
+          <a:prstGeom prst="rect">
+            <a:avLst/>
+          </a:prstGeom>
+        </p:spPr>
+        <p:style>
+          <a:lnRef idx="2">
+            <a:schemeClr val="accent4"/>
+          </a:lnRef>
+          <a:fillRef idx="1">
+            <a:schemeClr val="lt1"/>
+          </a:fillRef>
+          <a:effectRef idx="0">
+            <a:schemeClr val="accent4"/>
+          </a:effectRef>
+          <a:fontRef idx="minor">
+            <a:schemeClr val="dk1"/>
+          </a:fontRef>
+        </p:style>
+        <p:txBody>
+          <a:bodyPr wrap="square" rtlCol="0">
+            <a:spAutoFit/>
+          </a:bodyPr>
+          <a:lstStyle/>
+          <a:p>
+            <a:r>
+              <a:rPr lang="en-US" altLang="ko-KR" dirty="0" err="1"/>
+              <a:t>this.m</a:t>
+            </a:r>
+            <a:r>
+              <a:rPr lang="en-US" altLang="ko-KR" dirty="0"/>
+              <a:t>()</a:t>
+            </a:r>
+            <a:endParaRPr lang="ko-KR" altLang="en-US" dirty="0"/>
+          </a:p>
+        </p:txBody>
+      </p:sp>
+      <p:sp>
+        <p:nvSpPr>
+          <p:cNvPr id="27" name="TextBox 26">
+            <a:extLst>
+              <a:ext uri="{FF2B5EF4-FFF2-40B4-BE49-F238E27FC236}">
+                <a16:creationId xmlns:a16="http://schemas.microsoft.com/office/drawing/2014/main" id="{ABBC29C7-69E9-84D9-F3F9-F7D608DBFCAD}"/>
+              </a:ext>
+            </a:extLst>
+          </p:cNvPr>
+          <p:cNvSpPr txBox="1"/>
+          <p:nvPr/>
+        </p:nvSpPr>
+        <p:spPr>
+          <a:xfrm>
+            <a:off x="4516583" y="4242482"/>
+            <a:ext cx="1080000" cy="369332"/>
+          </a:xfrm>
+          <a:prstGeom prst="rect">
+            <a:avLst/>
+          </a:prstGeom>
+        </p:spPr>
+        <p:style>
+          <a:lnRef idx="2">
+            <a:schemeClr val="accent4"/>
+          </a:lnRef>
+          <a:fillRef idx="1">
+            <a:schemeClr val="lt1"/>
+          </a:fillRef>
+          <a:effectRef idx="0">
+            <a:schemeClr val="accent4"/>
+          </a:effectRef>
+          <a:fontRef idx="minor">
+            <a:schemeClr val="dk1"/>
+          </a:fontRef>
+        </p:style>
+        <p:txBody>
+          <a:bodyPr wrap="square" rtlCol="0">
+            <a:spAutoFit/>
+          </a:bodyPr>
+          <a:lstStyle/>
+          <a:p>
+            <a:r>
+              <a:rPr lang="en-US" altLang="ko-KR" dirty="0" err="1"/>
+              <a:t>super.m</a:t>
+            </a:r>
+            <a:r>
+              <a:rPr lang="en-US" altLang="ko-KR" dirty="0"/>
+              <a:t>()</a:t>
+            </a:r>
+            <a:endParaRPr lang="ko-KR" altLang="en-US" dirty="0"/>
+          </a:p>
+        </p:txBody>
+      </p:sp>
+      <p:cxnSp>
+        <p:nvCxnSpPr>
+          <p:cNvPr id="29" name="직선 화살표 연결선 28">
+            <a:extLst>
+              <a:ext uri="{FF2B5EF4-FFF2-40B4-BE49-F238E27FC236}">
+                <a16:creationId xmlns:a16="http://schemas.microsoft.com/office/drawing/2014/main" id="{287C562E-15A0-7875-8F5A-04D6A54B8574}"/>
+              </a:ext>
+            </a:extLst>
+          </p:cNvPr>
+          <p:cNvCxnSpPr>
+            <a:stCxn id="26" idx="1"/>
+            <a:endCxn id="25" idx="3"/>
+          </p:cNvCxnSpPr>
+          <p:nvPr/>
+        </p:nvCxnSpPr>
+        <p:spPr>
+          <a:xfrm flipH="1">
+            <a:off x="3140366" y="5752179"/>
+            <a:ext cx="1376217" cy="14862"/>
+          </a:xfrm>
+          <a:prstGeom prst="straightConnector1">
+            <a:avLst/>
+          </a:prstGeom>
+          <a:ln>
+            <a:tailEnd type="triangle"/>
+          </a:ln>
+        </p:spPr>
+        <p:style>
+          <a:lnRef idx="3">
+            <a:schemeClr val="accent4"/>
+          </a:lnRef>
+          <a:fillRef idx="0">
+            <a:schemeClr val="accent4"/>
+          </a:fillRef>
+          <a:effectRef idx="2">
+            <a:schemeClr val="accent4"/>
+          </a:effectRef>
+          <a:fontRef idx="minor">
+            <a:schemeClr val="tx1"/>
+          </a:fontRef>
+        </p:style>
+      </p:cxnSp>
+      <p:cxnSp>
+        <p:nvCxnSpPr>
+          <p:cNvPr id="30" name="직선 화살표 연결선 29">
+            <a:extLst>
+              <a:ext uri="{FF2B5EF4-FFF2-40B4-BE49-F238E27FC236}">
+                <a16:creationId xmlns:a16="http://schemas.microsoft.com/office/drawing/2014/main" id="{83780F9A-C9A5-5CA5-2E68-B1FA49B261E2}"/>
+              </a:ext>
+            </a:extLst>
+          </p:cNvPr>
+          <p:cNvCxnSpPr>
+            <a:cxnSpLocks/>
+            <a:stCxn id="27" idx="1"/>
+            <a:endCxn id="19" idx="3"/>
+          </p:cNvCxnSpPr>
+          <p:nvPr/>
+        </p:nvCxnSpPr>
+        <p:spPr>
+          <a:xfrm flipH="1">
+            <a:off x="3140365" y="4427148"/>
+            <a:ext cx="1376218" cy="0"/>
+          </a:xfrm>
+          <a:prstGeom prst="straightConnector1">
+            <a:avLst/>
+          </a:prstGeom>
+          <a:ln>
+            <a:tailEnd type="triangle"/>
+          </a:ln>
+        </p:spPr>
+        <p:style>
+          <a:lnRef idx="3">
+            <a:schemeClr val="accent4"/>
+          </a:lnRef>
+          <a:fillRef idx="0">
+            <a:schemeClr val="accent4"/>
+          </a:fillRef>
+          <a:effectRef idx="2">
+            <a:schemeClr val="accent4"/>
+          </a:effectRef>
+          <a:fontRef idx="minor">
+            <a:schemeClr val="tx1"/>
+          </a:fontRef>
+        </p:style>
+      </p:cxnSp>
+      <p:sp>
+        <p:nvSpPr>
+          <p:cNvPr id="36" name="화살표: 위쪽 35">
+            <a:extLst>
+              <a:ext uri="{FF2B5EF4-FFF2-40B4-BE49-F238E27FC236}">
+                <a16:creationId xmlns:a16="http://schemas.microsoft.com/office/drawing/2014/main" id="{E36FBEB3-98C7-A73A-D4AE-E3411D5B6E9A}"/>
+              </a:ext>
+            </a:extLst>
+          </p:cNvPr>
+          <p:cNvSpPr/>
+          <p:nvPr/>
+        </p:nvSpPr>
+        <p:spPr>
+          <a:xfrm>
+            <a:off x="5772727" y="967182"/>
+            <a:ext cx="498760" cy="5320146"/>
+          </a:xfrm>
+          <a:prstGeom prst="upArrow">
+            <a:avLst/>
+          </a:prstGeom>
+        </p:spPr>
+        <p:style>
+          <a:lnRef idx="2">
+            <a:schemeClr val="accent4">
+              <a:shade val="50000"/>
+            </a:schemeClr>
+          </a:lnRef>
+          <a:fillRef idx="1">
+            <a:schemeClr val="accent4"/>
+          </a:fillRef>
+          <a:effectRef idx="0">
+            <a:schemeClr val="accent4"/>
+          </a:effectRef>
+          <a:fontRef idx="minor">
+            <a:schemeClr val="lt1"/>
+          </a:fontRef>
+        </p:style>
+        <p:txBody>
+          <a:bodyPr rtlCol="0" anchor="ctr"/>
+          <a:lstStyle/>
+          <a:p>
+            <a:pPr algn="ctr"/>
+            <a:endParaRPr lang="ko-KR" altLang="en-US"/>
+          </a:p>
+        </p:txBody>
+      </p:sp>
+    </p:spTree>
+    <p:extLst>
+      <p:ext uri="{BB962C8B-B14F-4D97-AF65-F5344CB8AC3E}">
+        <p14:creationId xmlns:p14="http://schemas.microsoft.com/office/powerpoint/2010/main" val="3042332890"/>
       </p:ext>
     </p:extLst>
   </p:cSld>
